--- a/Презентация ВКР 2024.pptx
+++ b/Презентация ВКР 2024.pptx
@@ -12,8 +12,8 @@
     <p:sldId id="272" r:id="rId6"/>
     <p:sldId id="289" r:id="rId7"/>
     <p:sldId id="290" r:id="rId8"/>
-    <p:sldId id="291" r:id="rId9"/>
-    <p:sldId id="292" r:id="rId10"/>
+    <p:sldId id="292" r:id="rId9"/>
+    <p:sldId id="291" r:id="rId10"/>
     <p:sldId id="293" r:id="rId11"/>
     <p:sldId id="296" r:id="rId12"/>
     <p:sldId id="297" r:id="rId13"/>
@@ -123,7 +123,7 @@
   </p:defaultTextStyle>
   <p:extLst>
     <p:ext uri="{EFAFB233-063F-42B5-8137-9DF3F51BA10A}">
-      <p15:sldGuideLst xmlns:p15="http://schemas.microsoft.com/office/powerpoint/2012/main" xmlns="">
+      <p15:sldGuideLst xmlns="" xmlns:p15="http://schemas.microsoft.com/office/powerpoint/2012/main">
         <p15:guide id="2" pos="325" userDrawn="1">
           <p15:clr>
             <a:srgbClr val="A4A3A4"/>
@@ -182,7 +182,7 @@
       </p15:sldGuideLst>
     </p:ext>
     <p:ext uri="{2D200454-40CA-4A62-9FC3-DE9A4176ACB9}">
-      <p15:notesGuideLst xmlns:p15="http://schemas.microsoft.com/office/powerpoint/2012/main" xmlns="">
+      <p15:notesGuideLst xmlns="" xmlns:p15="http://schemas.microsoft.com/office/powerpoint/2012/main">
         <p15:guide id="1" orient="horz" pos="2880" userDrawn="1">
           <p15:clr>
             <a:srgbClr val="A4A3A4"/>
@@ -300,7 +300,7 @@
           <a:p>
             <a:fld id="{73261BF4-8B2C-784B-9959-B59A059012C3}" type="datetimeFigureOut">
               <a:rPr lang="x-none" smtClean="0"/>
-              <a:t>24.04.2024</a:t>
+              <a:t>28.05.2024</a:t>
             </a:fld>
             <a:endParaRPr lang="x-none"/>
           </a:p>
@@ -783,7 +783,7 @@
           <a:p>
             <a:fld id="{53063DFB-8595-A44B-9F09-A50FA310E559}" type="datetimeFigureOut">
               <a:rPr lang="x-none" smtClean="0"/>
-              <a:t>24.04.2024</a:t>
+              <a:t>28.05.2024</a:t>
             </a:fld>
             <a:endParaRPr lang="x-none"/>
           </a:p>
@@ -953,7 +953,7 @@
           <a:p>
             <a:fld id="{53063DFB-8595-A44B-9F09-A50FA310E559}" type="datetimeFigureOut">
               <a:rPr lang="x-none" smtClean="0"/>
-              <a:t>24.04.2024</a:t>
+              <a:t>28.05.2024</a:t>
             </a:fld>
             <a:endParaRPr lang="x-none"/>
           </a:p>
@@ -1133,7 +1133,7 @@
           <a:p>
             <a:fld id="{53063DFB-8595-A44B-9F09-A50FA310E559}" type="datetimeFigureOut">
               <a:rPr lang="x-none" smtClean="0"/>
-              <a:t>24.04.2024</a:t>
+              <a:t>28.05.2024</a:t>
             </a:fld>
             <a:endParaRPr lang="x-none"/>
           </a:p>
@@ -1230,7 +1230,7 @@
           <p:cNvPr id="7" name="Picture 28" descr="A blue circle with white text&#10;&#10;Description automatically generated with low confidence">
             <a:extLst>
               <a:ext uri="{FF2B5EF4-FFF2-40B4-BE49-F238E27FC236}">
-                <a16:creationId xmlns:a16="http://schemas.microsoft.com/office/drawing/2014/main" xmlns="" id="{BA292C80-0DA8-194A-9A66-279048FA2A54}"/>
+                <a16:creationId xmlns="" xmlns:a16="http://schemas.microsoft.com/office/drawing/2014/main" id="{BA292C80-0DA8-194A-9A66-279048FA2A54}"/>
               </a:ext>
             </a:extLst>
           </p:cNvPr>
@@ -1260,7 +1260,7 @@
           <p:cNvPr id="11" name="Straight Connector 48">
             <a:extLst>
               <a:ext uri="{FF2B5EF4-FFF2-40B4-BE49-F238E27FC236}">
-                <a16:creationId xmlns:a16="http://schemas.microsoft.com/office/drawing/2014/main" xmlns="" id="{313EF906-5BAC-0141-A198-076E155DF9E2}"/>
+                <a16:creationId xmlns="" xmlns:a16="http://schemas.microsoft.com/office/drawing/2014/main" id="{313EF906-5BAC-0141-A198-076E155DF9E2}"/>
               </a:ext>
             </a:extLst>
           </p:cNvPr>
@@ -1303,7 +1303,7 @@
           <p:cNvPr id="12" name="Straight Connector 50">
             <a:extLst>
               <a:ext uri="{FF2B5EF4-FFF2-40B4-BE49-F238E27FC236}">
-                <a16:creationId xmlns:a16="http://schemas.microsoft.com/office/drawing/2014/main" xmlns="" id="{61206A97-26F2-E646-8775-9928FEF465B5}"/>
+                <a16:creationId xmlns="" xmlns:a16="http://schemas.microsoft.com/office/drawing/2014/main" id="{61206A97-26F2-E646-8775-9928FEF465B5}"/>
               </a:ext>
             </a:extLst>
           </p:cNvPr>
@@ -1346,7 +1346,7 @@
           <p:cNvPr id="13" name="Straight Connector 51">
             <a:extLst>
               <a:ext uri="{FF2B5EF4-FFF2-40B4-BE49-F238E27FC236}">
-                <a16:creationId xmlns:a16="http://schemas.microsoft.com/office/drawing/2014/main" xmlns="" id="{28E0E5F6-C1CA-9B41-B1DB-6E4FB509084D}"/>
+                <a16:creationId xmlns="" xmlns:a16="http://schemas.microsoft.com/office/drawing/2014/main" id="{28E0E5F6-C1CA-9B41-B1DB-6E4FB509084D}"/>
               </a:ext>
             </a:extLst>
           </p:cNvPr>
@@ -1389,7 +1389,7 @@
           <p:cNvPr id="16" name="Заголовок 15">
             <a:extLst>
               <a:ext uri="{FF2B5EF4-FFF2-40B4-BE49-F238E27FC236}">
-                <a16:creationId xmlns:a16="http://schemas.microsoft.com/office/drawing/2014/main" xmlns="" id="{6007C52F-2E27-E24A-B9DC-AAAB052DBD59}"/>
+                <a16:creationId xmlns="" xmlns:a16="http://schemas.microsoft.com/office/drawing/2014/main" id="{6007C52F-2E27-E24A-B9DC-AAAB052DBD59}"/>
               </a:ext>
             </a:extLst>
           </p:cNvPr>
@@ -1499,7 +1499,7 @@
           <p:cNvPr id="20" name="Текст 19">
             <a:extLst>
               <a:ext uri="{FF2B5EF4-FFF2-40B4-BE49-F238E27FC236}">
-                <a16:creationId xmlns:a16="http://schemas.microsoft.com/office/drawing/2014/main" xmlns="" id="{18109844-C2E7-354F-9C01-8834E4DCE373}"/>
+                <a16:creationId xmlns="" xmlns:a16="http://schemas.microsoft.com/office/drawing/2014/main" id="{18109844-C2E7-354F-9C01-8834E4DCE373}"/>
               </a:ext>
             </a:extLst>
           </p:cNvPr>
@@ -1605,7 +1605,7 @@
           <p:cNvPr id="25" name="Текст 24">
             <a:extLst>
               <a:ext uri="{FF2B5EF4-FFF2-40B4-BE49-F238E27FC236}">
-                <a16:creationId xmlns:a16="http://schemas.microsoft.com/office/drawing/2014/main" xmlns="" id="{40A04329-C800-BB42-BFE0-7E3C68848DA7}"/>
+                <a16:creationId xmlns="" xmlns:a16="http://schemas.microsoft.com/office/drawing/2014/main" id="{40A04329-C800-BB42-BFE0-7E3C68848DA7}"/>
               </a:ext>
             </a:extLst>
           </p:cNvPr>
@@ -1702,7 +1702,7 @@
           <p:cNvPr id="27" name="Текст 26">
             <a:extLst>
               <a:ext uri="{FF2B5EF4-FFF2-40B4-BE49-F238E27FC236}">
-                <a16:creationId xmlns:a16="http://schemas.microsoft.com/office/drawing/2014/main" xmlns="" id="{98337931-3EC2-F348-99EA-860F4FFDC188}"/>
+                <a16:creationId xmlns="" xmlns:a16="http://schemas.microsoft.com/office/drawing/2014/main" id="{98337931-3EC2-F348-99EA-860F4FFDC188}"/>
               </a:ext>
             </a:extLst>
           </p:cNvPr>
@@ -1799,7 +1799,7 @@
           <p:cNvPr id="29" name="Текст 28">
             <a:extLst>
               <a:ext uri="{FF2B5EF4-FFF2-40B4-BE49-F238E27FC236}">
-                <a16:creationId xmlns:a16="http://schemas.microsoft.com/office/drawing/2014/main" xmlns="" id="{EEA7A79B-D410-B44F-BF32-C3EAEFC20A6E}"/>
+                <a16:creationId xmlns="" xmlns:a16="http://schemas.microsoft.com/office/drawing/2014/main" id="{EEA7A79B-D410-B44F-BF32-C3EAEFC20A6E}"/>
               </a:ext>
             </a:extLst>
           </p:cNvPr>
@@ -1904,7 +1904,7 @@
   </p:clrMapOvr>
   <p:extLst>
     <p:ext uri="{DCECCB84-F9BA-43D5-87BE-67443E8EF086}">
-      <p15:sldGuideLst xmlns:p15="http://schemas.microsoft.com/office/powerpoint/2012/main" xmlns=""/>
+      <p15:sldGuideLst xmlns="" xmlns:p15="http://schemas.microsoft.com/office/powerpoint/2012/main"/>
     </p:ext>
   </p:extLst>
 </p:sldLayout>
@@ -1946,7 +1946,7 @@
           <p:cNvPr id="10" name="Picture 4" descr="Icon&#10;&#10;Description automatically generated">
             <a:extLst>
               <a:ext uri="{FF2B5EF4-FFF2-40B4-BE49-F238E27FC236}">
-                <a16:creationId xmlns:a16="http://schemas.microsoft.com/office/drawing/2014/main" xmlns="" id="{4A1436AC-5F96-2A4F-BFC7-B3442083EBE4}"/>
+                <a16:creationId xmlns="" xmlns:a16="http://schemas.microsoft.com/office/drawing/2014/main" id="{4A1436AC-5F96-2A4F-BFC7-B3442083EBE4}"/>
               </a:ext>
             </a:extLst>
           </p:cNvPr>
@@ -1976,7 +1976,7 @@
           <p:cNvPr id="11" name="Straight Connector 19">
             <a:extLst>
               <a:ext uri="{FF2B5EF4-FFF2-40B4-BE49-F238E27FC236}">
-                <a16:creationId xmlns:a16="http://schemas.microsoft.com/office/drawing/2014/main" xmlns="" id="{067DD2ED-246D-7D41-B51F-FED98BF873FD}"/>
+                <a16:creationId xmlns="" xmlns:a16="http://schemas.microsoft.com/office/drawing/2014/main" id="{067DD2ED-246D-7D41-B51F-FED98BF873FD}"/>
               </a:ext>
             </a:extLst>
           </p:cNvPr>
@@ -2019,7 +2019,7 @@
           <p:cNvPr id="12" name="Straight Connector 21">
             <a:extLst>
               <a:ext uri="{FF2B5EF4-FFF2-40B4-BE49-F238E27FC236}">
-                <a16:creationId xmlns:a16="http://schemas.microsoft.com/office/drawing/2014/main" xmlns="" id="{68E8C250-D449-A743-8975-B5BFB04D9744}"/>
+                <a16:creationId xmlns="" xmlns:a16="http://schemas.microsoft.com/office/drawing/2014/main" id="{68E8C250-D449-A743-8975-B5BFB04D9744}"/>
               </a:ext>
             </a:extLst>
           </p:cNvPr>
@@ -2062,7 +2062,7 @@
           <p:cNvPr id="13" name="Straight Connector 25">
             <a:extLst>
               <a:ext uri="{FF2B5EF4-FFF2-40B4-BE49-F238E27FC236}">
-                <a16:creationId xmlns:a16="http://schemas.microsoft.com/office/drawing/2014/main" xmlns="" id="{DD1C71CA-B883-AF42-959D-BCA5690AAA4B}"/>
+                <a16:creationId xmlns="" xmlns:a16="http://schemas.microsoft.com/office/drawing/2014/main" id="{DD1C71CA-B883-AF42-959D-BCA5690AAA4B}"/>
               </a:ext>
             </a:extLst>
           </p:cNvPr>
@@ -2105,7 +2105,7 @@
           <p:cNvPr id="17" name="TextBox 16">
             <a:extLst>
               <a:ext uri="{FF2B5EF4-FFF2-40B4-BE49-F238E27FC236}">
-                <a16:creationId xmlns:a16="http://schemas.microsoft.com/office/drawing/2014/main" xmlns="" id="{24D3A12E-0E10-C441-81D2-C3C1EB6A0537}"/>
+                <a16:creationId xmlns="" xmlns:a16="http://schemas.microsoft.com/office/drawing/2014/main" id="{24D3A12E-0E10-C441-81D2-C3C1EB6A0537}"/>
               </a:ext>
             </a:extLst>
           </p:cNvPr>
@@ -2151,7 +2151,7 @@
           <p:cNvPr id="19" name="Straight Connector 59">
             <a:extLst>
               <a:ext uri="{FF2B5EF4-FFF2-40B4-BE49-F238E27FC236}">
-                <a16:creationId xmlns:a16="http://schemas.microsoft.com/office/drawing/2014/main" xmlns="" id="{3447008E-4F3B-FC4E-B96D-3927FAE1ED17}"/>
+                <a16:creationId xmlns="" xmlns:a16="http://schemas.microsoft.com/office/drawing/2014/main" id="{3447008E-4F3B-FC4E-B96D-3927FAE1ED17}"/>
               </a:ext>
             </a:extLst>
           </p:cNvPr>
@@ -2194,7 +2194,7 @@
           <p:cNvPr id="24" name="Рисунок 23">
             <a:extLst>
               <a:ext uri="{FF2B5EF4-FFF2-40B4-BE49-F238E27FC236}">
-                <a16:creationId xmlns:a16="http://schemas.microsoft.com/office/drawing/2014/main" xmlns="" id="{61115A7A-23E5-E442-9551-F72F1CDA57B9}"/>
+                <a16:creationId xmlns="" xmlns:a16="http://schemas.microsoft.com/office/drawing/2014/main" id="{61115A7A-23E5-E442-9551-F72F1CDA57B9}"/>
               </a:ext>
             </a:extLst>
           </p:cNvPr>
@@ -2284,7 +2284,7 @@
           <p:cNvPr id="32" name="Заголовок 31">
             <a:extLst>
               <a:ext uri="{FF2B5EF4-FFF2-40B4-BE49-F238E27FC236}">
-                <a16:creationId xmlns:a16="http://schemas.microsoft.com/office/drawing/2014/main" xmlns="" id="{9ED7AA97-D972-DF4F-B662-A65F2A544CC5}"/>
+                <a16:creationId xmlns="" xmlns:a16="http://schemas.microsoft.com/office/drawing/2014/main" id="{9ED7AA97-D972-DF4F-B662-A65F2A544CC5}"/>
               </a:ext>
             </a:extLst>
           </p:cNvPr>
@@ -2383,7 +2383,7 @@
           <p:cNvPr id="36" name="Текст 35">
             <a:extLst>
               <a:ext uri="{FF2B5EF4-FFF2-40B4-BE49-F238E27FC236}">
-                <a16:creationId xmlns:a16="http://schemas.microsoft.com/office/drawing/2014/main" xmlns="" id="{69E35E54-2B19-7441-876F-1C6A84F4F156}"/>
+                <a16:creationId xmlns="" xmlns:a16="http://schemas.microsoft.com/office/drawing/2014/main" id="{69E35E54-2B19-7441-876F-1C6A84F4F156}"/>
               </a:ext>
             </a:extLst>
           </p:cNvPr>
@@ -2518,7 +2518,7 @@
           <p:cNvPr id="38" name="Текст 37">
             <a:extLst>
               <a:ext uri="{FF2B5EF4-FFF2-40B4-BE49-F238E27FC236}">
-                <a16:creationId xmlns:a16="http://schemas.microsoft.com/office/drawing/2014/main" xmlns="" id="{7FB4A275-856E-364D-8AA4-2071AADC6AAA}"/>
+                <a16:creationId xmlns="" xmlns:a16="http://schemas.microsoft.com/office/drawing/2014/main" id="{7FB4A275-856E-364D-8AA4-2071AADC6AAA}"/>
               </a:ext>
             </a:extLst>
           </p:cNvPr>
@@ -2648,7 +2648,7 @@
           <p:cNvPr id="40" name="Текст 39">
             <a:extLst>
               <a:ext uri="{FF2B5EF4-FFF2-40B4-BE49-F238E27FC236}">
-                <a16:creationId xmlns:a16="http://schemas.microsoft.com/office/drawing/2014/main" xmlns="" id="{58FBA0EA-8BE0-A643-B258-4E5C34467172}"/>
+                <a16:creationId xmlns="" xmlns:a16="http://schemas.microsoft.com/office/drawing/2014/main" id="{58FBA0EA-8BE0-A643-B258-4E5C34467172}"/>
               </a:ext>
             </a:extLst>
           </p:cNvPr>
@@ -2746,7 +2746,7 @@
           <p:cNvPr id="41" name="Текст 39">
             <a:extLst>
               <a:ext uri="{FF2B5EF4-FFF2-40B4-BE49-F238E27FC236}">
-                <a16:creationId xmlns:a16="http://schemas.microsoft.com/office/drawing/2014/main" xmlns="" id="{0BEC062F-1BEB-DE4C-B7EE-C552C9D45F13}"/>
+                <a16:creationId xmlns="" xmlns:a16="http://schemas.microsoft.com/office/drawing/2014/main" id="{0BEC062F-1BEB-DE4C-B7EE-C552C9D45F13}"/>
               </a:ext>
             </a:extLst>
           </p:cNvPr>
@@ -2888,7 +2888,7 @@
           <p:cNvPr id="7" name="Picture 4" descr="Icon&#10;&#10;Description automatically generated">
             <a:extLst>
               <a:ext uri="{FF2B5EF4-FFF2-40B4-BE49-F238E27FC236}">
-                <a16:creationId xmlns:a16="http://schemas.microsoft.com/office/drawing/2014/main" xmlns="" id="{9328428E-0D3D-6E4B-BAC0-3F63BAF7DB74}"/>
+                <a16:creationId xmlns="" xmlns:a16="http://schemas.microsoft.com/office/drawing/2014/main" id="{9328428E-0D3D-6E4B-BAC0-3F63BAF7DB74}"/>
               </a:ext>
             </a:extLst>
           </p:cNvPr>
@@ -2918,7 +2918,7 @@
           <p:cNvPr id="8" name="Straight Connector 19">
             <a:extLst>
               <a:ext uri="{FF2B5EF4-FFF2-40B4-BE49-F238E27FC236}">
-                <a16:creationId xmlns:a16="http://schemas.microsoft.com/office/drawing/2014/main" xmlns="" id="{86CF47C6-D972-9E44-A717-6848F3489399}"/>
+                <a16:creationId xmlns="" xmlns:a16="http://schemas.microsoft.com/office/drawing/2014/main" id="{86CF47C6-D972-9E44-A717-6848F3489399}"/>
               </a:ext>
             </a:extLst>
           </p:cNvPr>
@@ -2961,7 +2961,7 @@
           <p:cNvPr id="9" name="Straight Connector 21">
             <a:extLst>
               <a:ext uri="{FF2B5EF4-FFF2-40B4-BE49-F238E27FC236}">
-                <a16:creationId xmlns:a16="http://schemas.microsoft.com/office/drawing/2014/main" xmlns="" id="{412FEF63-77C0-7C4A-B9BE-4BC0EEEEB78C}"/>
+                <a16:creationId xmlns="" xmlns:a16="http://schemas.microsoft.com/office/drawing/2014/main" id="{412FEF63-77C0-7C4A-B9BE-4BC0EEEEB78C}"/>
               </a:ext>
             </a:extLst>
           </p:cNvPr>
@@ -3004,7 +3004,7 @@
           <p:cNvPr id="10" name="Straight Connector 25">
             <a:extLst>
               <a:ext uri="{FF2B5EF4-FFF2-40B4-BE49-F238E27FC236}">
-                <a16:creationId xmlns:a16="http://schemas.microsoft.com/office/drawing/2014/main" xmlns="" id="{C4F550E9-E979-284D-B65F-44E092DD9D02}"/>
+                <a16:creationId xmlns="" xmlns:a16="http://schemas.microsoft.com/office/drawing/2014/main" id="{C4F550E9-E979-284D-B65F-44E092DD9D02}"/>
               </a:ext>
             </a:extLst>
           </p:cNvPr>
@@ -3047,7 +3047,7 @@
           <p:cNvPr id="11" name="TextBox 10">
             <a:extLst>
               <a:ext uri="{FF2B5EF4-FFF2-40B4-BE49-F238E27FC236}">
-                <a16:creationId xmlns:a16="http://schemas.microsoft.com/office/drawing/2014/main" xmlns="" id="{3A39D099-B515-F343-BF7A-A95468DA3860}"/>
+                <a16:creationId xmlns="" xmlns:a16="http://schemas.microsoft.com/office/drawing/2014/main" id="{3A39D099-B515-F343-BF7A-A95468DA3860}"/>
               </a:ext>
             </a:extLst>
           </p:cNvPr>
@@ -3093,7 +3093,7 @@
           <p:cNvPr id="12" name="Straight Connector 59">
             <a:extLst>
               <a:ext uri="{FF2B5EF4-FFF2-40B4-BE49-F238E27FC236}">
-                <a16:creationId xmlns:a16="http://schemas.microsoft.com/office/drawing/2014/main" xmlns="" id="{396B1F99-9711-C64F-A7C9-4F1D89E7F11D}"/>
+                <a16:creationId xmlns="" xmlns:a16="http://schemas.microsoft.com/office/drawing/2014/main" id="{396B1F99-9711-C64F-A7C9-4F1D89E7F11D}"/>
               </a:ext>
             </a:extLst>
           </p:cNvPr>
@@ -3136,7 +3136,7 @@
           <p:cNvPr id="13" name="Текст 37">
             <a:extLst>
               <a:ext uri="{FF2B5EF4-FFF2-40B4-BE49-F238E27FC236}">
-                <a16:creationId xmlns:a16="http://schemas.microsoft.com/office/drawing/2014/main" xmlns="" id="{9C21DFE9-C3B2-C54E-9275-7776355F7360}"/>
+                <a16:creationId xmlns="" xmlns:a16="http://schemas.microsoft.com/office/drawing/2014/main" id="{9C21DFE9-C3B2-C54E-9275-7776355F7360}"/>
               </a:ext>
             </a:extLst>
           </p:cNvPr>
@@ -3266,7 +3266,7 @@
           <p:cNvPr id="14" name="Текст 39">
             <a:extLst>
               <a:ext uri="{FF2B5EF4-FFF2-40B4-BE49-F238E27FC236}">
-                <a16:creationId xmlns:a16="http://schemas.microsoft.com/office/drawing/2014/main" xmlns="" id="{5A73F99D-6D58-724E-ADB3-150D9B24F8CB}"/>
+                <a16:creationId xmlns="" xmlns:a16="http://schemas.microsoft.com/office/drawing/2014/main" id="{5A73F99D-6D58-724E-ADB3-150D9B24F8CB}"/>
               </a:ext>
             </a:extLst>
           </p:cNvPr>
@@ -3364,7 +3364,7 @@
           <p:cNvPr id="16" name="Текст 39">
             <a:extLst>
               <a:ext uri="{FF2B5EF4-FFF2-40B4-BE49-F238E27FC236}">
-                <a16:creationId xmlns:a16="http://schemas.microsoft.com/office/drawing/2014/main" xmlns="" id="{7E89E360-BE39-5041-BAD6-C7B708340AA2}"/>
+                <a16:creationId xmlns="" xmlns:a16="http://schemas.microsoft.com/office/drawing/2014/main" id="{7E89E360-BE39-5041-BAD6-C7B708340AA2}"/>
               </a:ext>
             </a:extLst>
           </p:cNvPr>
@@ -3462,7 +3462,7 @@
           <p:cNvPr id="19" name="Заголовок 31">
             <a:extLst>
               <a:ext uri="{FF2B5EF4-FFF2-40B4-BE49-F238E27FC236}">
-                <a16:creationId xmlns:a16="http://schemas.microsoft.com/office/drawing/2014/main" xmlns="" id="{1C20890C-BC1C-0745-9AF3-46700BA27C4A}"/>
+                <a16:creationId xmlns="" xmlns:a16="http://schemas.microsoft.com/office/drawing/2014/main" id="{1C20890C-BC1C-0745-9AF3-46700BA27C4A}"/>
               </a:ext>
             </a:extLst>
           </p:cNvPr>
@@ -3528,7 +3528,7 @@
           <p:cNvPr id="20" name="Текст 35">
             <a:extLst>
               <a:ext uri="{FF2B5EF4-FFF2-40B4-BE49-F238E27FC236}">
-                <a16:creationId xmlns:a16="http://schemas.microsoft.com/office/drawing/2014/main" xmlns="" id="{CA2589F7-4500-024F-8E07-D726629A599C}"/>
+                <a16:creationId xmlns="" xmlns:a16="http://schemas.microsoft.com/office/drawing/2014/main" id="{CA2589F7-4500-024F-8E07-D726629A599C}"/>
               </a:ext>
             </a:extLst>
           </p:cNvPr>
@@ -3652,7 +3652,7 @@
           <p:cNvPr id="21" name="Oval 5">
             <a:extLst>
               <a:ext uri="{FF2B5EF4-FFF2-40B4-BE49-F238E27FC236}">
-                <a16:creationId xmlns:a16="http://schemas.microsoft.com/office/drawing/2014/main" xmlns="" id="{D2CA403A-98E7-6C42-8F44-30AB6622C802}"/>
+                <a16:creationId xmlns="" xmlns:a16="http://schemas.microsoft.com/office/drawing/2014/main" id="{D2CA403A-98E7-6C42-8F44-30AB6622C802}"/>
               </a:ext>
             </a:extLst>
           </p:cNvPr>
@@ -3704,7 +3704,7 @@
           <p:cNvPr id="22" name="Oval 20">
             <a:extLst>
               <a:ext uri="{FF2B5EF4-FFF2-40B4-BE49-F238E27FC236}">
-                <a16:creationId xmlns:a16="http://schemas.microsoft.com/office/drawing/2014/main" xmlns="" id="{42ABAA5D-E7AB-6E48-9D43-A48178C9BDD4}"/>
+                <a16:creationId xmlns="" xmlns:a16="http://schemas.microsoft.com/office/drawing/2014/main" id="{42ABAA5D-E7AB-6E48-9D43-A48178C9BDD4}"/>
               </a:ext>
             </a:extLst>
           </p:cNvPr>
@@ -3756,7 +3756,7 @@
           <p:cNvPr id="23" name="Oval 22">
             <a:extLst>
               <a:ext uri="{FF2B5EF4-FFF2-40B4-BE49-F238E27FC236}">
-                <a16:creationId xmlns:a16="http://schemas.microsoft.com/office/drawing/2014/main" xmlns="" id="{209F185A-8F67-9C42-A7C5-87E483F4FC19}"/>
+                <a16:creationId xmlns="" xmlns:a16="http://schemas.microsoft.com/office/drawing/2014/main" id="{209F185A-8F67-9C42-A7C5-87E483F4FC19}"/>
               </a:ext>
             </a:extLst>
           </p:cNvPr>
@@ -3808,7 +3808,7 @@
           <p:cNvPr id="24" name="Oval 23">
             <a:extLst>
               <a:ext uri="{FF2B5EF4-FFF2-40B4-BE49-F238E27FC236}">
-                <a16:creationId xmlns:a16="http://schemas.microsoft.com/office/drawing/2014/main" xmlns="" id="{279AE0F6-4E37-6C4D-AF45-824EEE489A15}"/>
+                <a16:creationId xmlns="" xmlns:a16="http://schemas.microsoft.com/office/drawing/2014/main" id="{279AE0F6-4E37-6C4D-AF45-824EEE489A15}"/>
               </a:ext>
             </a:extLst>
           </p:cNvPr>
@@ -3860,7 +3860,7 @@
           <p:cNvPr id="25" name="Oval 26">
             <a:extLst>
               <a:ext uri="{FF2B5EF4-FFF2-40B4-BE49-F238E27FC236}">
-                <a16:creationId xmlns:a16="http://schemas.microsoft.com/office/drawing/2014/main" xmlns="" id="{330C0EA4-7FD1-CE4D-AC95-8C484C5AC790}"/>
+                <a16:creationId xmlns="" xmlns:a16="http://schemas.microsoft.com/office/drawing/2014/main" id="{330C0EA4-7FD1-CE4D-AC95-8C484C5AC790}"/>
               </a:ext>
             </a:extLst>
           </p:cNvPr>
@@ -3912,7 +3912,7 @@
           <p:cNvPr id="26" name="Oval 29">
             <a:extLst>
               <a:ext uri="{FF2B5EF4-FFF2-40B4-BE49-F238E27FC236}">
-                <a16:creationId xmlns:a16="http://schemas.microsoft.com/office/drawing/2014/main" xmlns="" id="{4C53CF3D-7EFB-DF4F-8EA6-5644574E9AFB}"/>
+                <a16:creationId xmlns="" xmlns:a16="http://schemas.microsoft.com/office/drawing/2014/main" id="{4C53CF3D-7EFB-DF4F-8EA6-5644574E9AFB}"/>
               </a:ext>
             </a:extLst>
           </p:cNvPr>
@@ -3964,7 +3964,7 @@
           <p:cNvPr id="27" name="Oval 33">
             <a:extLst>
               <a:ext uri="{FF2B5EF4-FFF2-40B4-BE49-F238E27FC236}">
-                <a16:creationId xmlns:a16="http://schemas.microsoft.com/office/drawing/2014/main" xmlns="" id="{B42CE88A-E9A3-2A4E-BD50-EB37311F39EC}"/>
+                <a16:creationId xmlns="" xmlns:a16="http://schemas.microsoft.com/office/drawing/2014/main" id="{B42CE88A-E9A3-2A4E-BD50-EB37311F39EC}"/>
               </a:ext>
             </a:extLst>
           </p:cNvPr>
@@ -4016,7 +4016,7 @@
           <p:cNvPr id="28" name="Oval 34">
             <a:extLst>
               <a:ext uri="{FF2B5EF4-FFF2-40B4-BE49-F238E27FC236}">
-                <a16:creationId xmlns:a16="http://schemas.microsoft.com/office/drawing/2014/main" xmlns="" id="{B699EFDF-DB9D-3C4F-9D1F-461508017BDA}"/>
+                <a16:creationId xmlns="" xmlns:a16="http://schemas.microsoft.com/office/drawing/2014/main" id="{B699EFDF-DB9D-3C4F-9D1F-461508017BDA}"/>
               </a:ext>
             </a:extLst>
           </p:cNvPr>
@@ -4068,7 +4068,7 @@
           <p:cNvPr id="29" name="Oval 35">
             <a:extLst>
               <a:ext uri="{FF2B5EF4-FFF2-40B4-BE49-F238E27FC236}">
-                <a16:creationId xmlns:a16="http://schemas.microsoft.com/office/drawing/2014/main" xmlns="" id="{5DF3131C-EEA1-5446-B567-C9DA0A2A1AFF}"/>
+                <a16:creationId xmlns="" xmlns:a16="http://schemas.microsoft.com/office/drawing/2014/main" id="{5DF3131C-EEA1-5446-B567-C9DA0A2A1AFF}"/>
               </a:ext>
             </a:extLst>
           </p:cNvPr>
@@ -4120,7 +4120,7 @@
           <p:cNvPr id="30" name="Oval 36">
             <a:extLst>
               <a:ext uri="{FF2B5EF4-FFF2-40B4-BE49-F238E27FC236}">
-                <a16:creationId xmlns:a16="http://schemas.microsoft.com/office/drawing/2014/main" xmlns="" id="{6D03B317-B61D-2945-8C0A-A6EBD87ACD07}"/>
+                <a16:creationId xmlns="" xmlns:a16="http://schemas.microsoft.com/office/drawing/2014/main" id="{6D03B317-B61D-2945-8C0A-A6EBD87ACD07}"/>
               </a:ext>
             </a:extLst>
           </p:cNvPr>
@@ -4172,7 +4172,7 @@
           <p:cNvPr id="31" name="Oval 37">
             <a:extLst>
               <a:ext uri="{FF2B5EF4-FFF2-40B4-BE49-F238E27FC236}">
-                <a16:creationId xmlns:a16="http://schemas.microsoft.com/office/drawing/2014/main" xmlns="" id="{9C0266F1-C0B7-624A-A873-5F2C8801E766}"/>
+                <a16:creationId xmlns="" xmlns:a16="http://schemas.microsoft.com/office/drawing/2014/main" id="{9C0266F1-C0B7-624A-A873-5F2C8801E766}"/>
               </a:ext>
             </a:extLst>
           </p:cNvPr>
@@ -4224,7 +4224,7 @@
           <p:cNvPr id="32" name="Oval 38">
             <a:extLst>
               <a:ext uri="{FF2B5EF4-FFF2-40B4-BE49-F238E27FC236}">
-                <a16:creationId xmlns:a16="http://schemas.microsoft.com/office/drawing/2014/main" xmlns="" id="{30C0C10E-388C-9843-8270-19D471BD3756}"/>
+                <a16:creationId xmlns="" xmlns:a16="http://schemas.microsoft.com/office/drawing/2014/main" id="{30C0C10E-388C-9843-8270-19D471BD3756}"/>
               </a:ext>
             </a:extLst>
           </p:cNvPr>
@@ -4276,7 +4276,7 @@
           <p:cNvPr id="33" name="Oval 39">
             <a:extLst>
               <a:ext uri="{FF2B5EF4-FFF2-40B4-BE49-F238E27FC236}">
-                <a16:creationId xmlns:a16="http://schemas.microsoft.com/office/drawing/2014/main" xmlns="" id="{87047EA3-79D2-8644-A568-E64AA1D7D370}"/>
+                <a16:creationId xmlns="" xmlns:a16="http://schemas.microsoft.com/office/drawing/2014/main" id="{87047EA3-79D2-8644-A568-E64AA1D7D370}"/>
               </a:ext>
             </a:extLst>
           </p:cNvPr>
@@ -4328,7 +4328,7 @@
           <p:cNvPr id="34" name="Oval 40">
             <a:extLst>
               <a:ext uri="{FF2B5EF4-FFF2-40B4-BE49-F238E27FC236}">
-                <a16:creationId xmlns:a16="http://schemas.microsoft.com/office/drawing/2014/main" xmlns="" id="{7F5D1C6B-4E6B-0346-A5DC-C511DB14EFD6}"/>
+                <a16:creationId xmlns="" xmlns:a16="http://schemas.microsoft.com/office/drawing/2014/main" id="{7F5D1C6B-4E6B-0346-A5DC-C511DB14EFD6}"/>
               </a:ext>
             </a:extLst>
           </p:cNvPr>
@@ -4380,7 +4380,7 @@
           <p:cNvPr id="35" name="Oval 41">
             <a:extLst>
               <a:ext uri="{FF2B5EF4-FFF2-40B4-BE49-F238E27FC236}">
-                <a16:creationId xmlns:a16="http://schemas.microsoft.com/office/drawing/2014/main" xmlns="" id="{EB421DBA-35DE-2C4F-A89E-27F0998EF4E8}"/>
+                <a16:creationId xmlns="" xmlns:a16="http://schemas.microsoft.com/office/drawing/2014/main" id="{EB421DBA-35DE-2C4F-A89E-27F0998EF4E8}"/>
               </a:ext>
             </a:extLst>
           </p:cNvPr>
@@ -4432,7 +4432,7 @@
           <p:cNvPr id="36" name="Oval 42">
             <a:extLst>
               <a:ext uri="{FF2B5EF4-FFF2-40B4-BE49-F238E27FC236}">
-                <a16:creationId xmlns:a16="http://schemas.microsoft.com/office/drawing/2014/main" xmlns="" id="{081BD842-A9A1-5B44-81ED-A97BA390032B}"/>
+                <a16:creationId xmlns="" xmlns:a16="http://schemas.microsoft.com/office/drawing/2014/main" id="{081BD842-A9A1-5B44-81ED-A97BA390032B}"/>
               </a:ext>
             </a:extLst>
           </p:cNvPr>
@@ -4484,7 +4484,7 @@
           <p:cNvPr id="37" name="Oval 43">
             <a:extLst>
               <a:ext uri="{FF2B5EF4-FFF2-40B4-BE49-F238E27FC236}">
-                <a16:creationId xmlns:a16="http://schemas.microsoft.com/office/drawing/2014/main" xmlns="" id="{036EE7D2-A33A-434C-B272-C82E2CDD4D4D}"/>
+                <a16:creationId xmlns="" xmlns:a16="http://schemas.microsoft.com/office/drawing/2014/main" id="{036EE7D2-A33A-434C-B272-C82E2CDD4D4D}"/>
               </a:ext>
             </a:extLst>
           </p:cNvPr>
@@ -4536,7 +4536,7 @@
           <p:cNvPr id="38" name="Oval 44">
             <a:extLst>
               <a:ext uri="{FF2B5EF4-FFF2-40B4-BE49-F238E27FC236}">
-                <a16:creationId xmlns:a16="http://schemas.microsoft.com/office/drawing/2014/main" xmlns="" id="{7DD65DA4-F076-C242-813E-8C17DCABCCFB}"/>
+                <a16:creationId xmlns="" xmlns:a16="http://schemas.microsoft.com/office/drawing/2014/main" id="{7DD65DA4-F076-C242-813E-8C17DCABCCFB}"/>
               </a:ext>
             </a:extLst>
           </p:cNvPr>
@@ -4588,7 +4588,7 @@
           <p:cNvPr id="39" name="Oval 45">
             <a:extLst>
               <a:ext uri="{FF2B5EF4-FFF2-40B4-BE49-F238E27FC236}">
-                <a16:creationId xmlns:a16="http://schemas.microsoft.com/office/drawing/2014/main" xmlns="" id="{8A44D99D-BF66-2848-B460-F59D8ECF5690}"/>
+                <a16:creationId xmlns="" xmlns:a16="http://schemas.microsoft.com/office/drawing/2014/main" id="{8A44D99D-BF66-2848-B460-F59D8ECF5690}"/>
               </a:ext>
             </a:extLst>
           </p:cNvPr>
@@ -4640,7 +4640,7 @@
           <p:cNvPr id="40" name="Oval 46">
             <a:extLst>
               <a:ext uri="{FF2B5EF4-FFF2-40B4-BE49-F238E27FC236}">
-                <a16:creationId xmlns:a16="http://schemas.microsoft.com/office/drawing/2014/main" xmlns="" id="{9B130CEB-3D74-B647-BA6B-32F7D70FD354}"/>
+                <a16:creationId xmlns="" xmlns:a16="http://schemas.microsoft.com/office/drawing/2014/main" id="{9B130CEB-3D74-B647-BA6B-32F7D70FD354}"/>
               </a:ext>
             </a:extLst>
           </p:cNvPr>
@@ -4809,7 +4809,7 @@
           <a:p>
             <a:fld id="{53063DFB-8595-A44B-9F09-A50FA310E559}" type="datetimeFigureOut">
               <a:rPr lang="x-none" smtClean="0"/>
-              <a:t>24.04.2024</a:t>
+              <a:t>28.05.2024</a:t>
             </a:fld>
             <a:endParaRPr lang="x-none"/>
           </a:p>
@@ -5055,7 +5055,7 @@
           <a:p>
             <a:fld id="{53063DFB-8595-A44B-9F09-A50FA310E559}" type="datetimeFigureOut">
               <a:rPr lang="x-none" smtClean="0"/>
-              <a:t>24.04.2024</a:t>
+              <a:t>28.05.2024</a:t>
             </a:fld>
             <a:endParaRPr lang="x-none"/>
           </a:p>
@@ -5287,7 +5287,7 @@
           <a:p>
             <a:fld id="{53063DFB-8595-A44B-9F09-A50FA310E559}" type="datetimeFigureOut">
               <a:rPr lang="x-none" smtClean="0"/>
-              <a:t>24.04.2024</a:t>
+              <a:t>28.05.2024</a:t>
             </a:fld>
             <a:endParaRPr lang="x-none"/>
           </a:p>
@@ -5654,7 +5654,7 @@
           <a:p>
             <a:fld id="{53063DFB-8595-A44B-9F09-A50FA310E559}" type="datetimeFigureOut">
               <a:rPr lang="x-none" smtClean="0"/>
-              <a:t>24.04.2024</a:t>
+              <a:t>28.05.2024</a:t>
             </a:fld>
             <a:endParaRPr lang="x-none"/>
           </a:p>
@@ -5772,7 +5772,7 @@
           <a:p>
             <a:fld id="{53063DFB-8595-A44B-9F09-A50FA310E559}" type="datetimeFigureOut">
               <a:rPr lang="x-none" smtClean="0"/>
-              <a:t>24.04.2024</a:t>
+              <a:t>28.05.2024</a:t>
             </a:fld>
             <a:endParaRPr lang="x-none"/>
           </a:p>
@@ -5867,7 +5867,7 @@
           <a:p>
             <a:fld id="{53063DFB-8595-A44B-9F09-A50FA310E559}" type="datetimeFigureOut">
               <a:rPr lang="x-none" smtClean="0"/>
-              <a:t>24.04.2024</a:t>
+              <a:t>28.05.2024</a:t>
             </a:fld>
             <a:endParaRPr lang="x-none"/>
           </a:p>
@@ -6144,7 +6144,7 @@
           <a:p>
             <a:fld id="{53063DFB-8595-A44B-9F09-A50FA310E559}" type="datetimeFigureOut">
               <a:rPr lang="x-none" smtClean="0"/>
-              <a:t>24.04.2024</a:t>
+              <a:t>28.05.2024</a:t>
             </a:fld>
             <a:endParaRPr lang="x-none"/>
           </a:p>
@@ -6401,7 +6401,7 @@
           <a:p>
             <a:fld id="{53063DFB-8595-A44B-9F09-A50FA310E559}" type="datetimeFigureOut">
               <a:rPr lang="x-none" smtClean="0"/>
-              <a:t>24.04.2024</a:t>
+              <a:t>28.05.2024</a:t>
             </a:fld>
             <a:endParaRPr lang="x-none"/>
           </a:p>
@@ -6614,7 +6614,7 @@
           <a:p>
             <a:fld id="{53063DFB-8595-A44B-9F09-A50FA310E559}" type="datetimeFigureOut">
               <a:rPr lang="x-none" smtClean="0"/>
-              <a:t>24.04.2024</a:t>
+              <a:t>28.05.2024</a:t>
             </a:fld>
             <a:endParaRPr lang="x-none"/>
           </a:p>
@@ -7027,7 +7027,7 @@
           <p:cNvPr id="2" name="Заголовок 1">
             <a:extLst>
               <a:ext uri="{FF2B5EF4-FFF2-40B4-BE49-F238E27FC236}">
-                <a16:creationId xmlns:a16="http://schemas.microsoft.com/office/drawing/2014/main" xmlns="" id="{8CD95C0D-D7DC-EF40-9E45-F5F0A4817CD2}"/>
+                <a16:creationId xmlns="" xmlns:a16="http://schemas.microsoft.com/office/drawing/2014/main" id="{8CD95C0D-D7DC-EF40-9E45-F5F0A4817CD2}"/>
               </a:ext>
             </a:extLst>
           </p:cNvPr>
@@ -7055,10 +7055,6 @@
               <a:rPr lang="ru-RU" sz="2400" dirty="0"/>
               <a:t>Программа для моделирования восприятия факторов успеха IТ-проекта с использованием нечетких когнитивных карт</a:t>
             </a:r>
-            <a:r>
-              <a:rPr lang="ru-RU" sz="2400" dirty="0"/>
-              <a:t/>
-            </a:r>
             <a:br>
               <a:rPr lang="ru-RU" sz="2400" dirty="0"/>
             </a:br>
@@ -7075,7 +7071,7 @@
           <p:cNvPr id="3" name="Текст 2">
             <a:extLst>
               <a:ext uri="{FF2B5EF4-FFF2-40B4-BE49-F238E27FC236}">
-                <a16:creationId xmlns:a16="http://schemas.microsoft.com/office/drawing/2014/main" xmlns="" id="{2B85EA7E-BEC4-B745-B2A8-D4E4AFC614FC}"/>
+                <a16:creationId xmlns="" xmlns:a16="http://schemas.microsoft.com/office/drawing/2014/main" id="{2B85EA7E-BEC4-B745-B2A8-D4E4AFC614FC}"/>
               </a:ext>
             </a:extLst>
           </p:cNvPr>
@@ -7103,7 +7099,7 @@
           <p:cNvPr id="4" name="Текст 3">
             <a:extLst>
               <a:ext uri="{FF2B5EF4-FFF2-40B4-BE49-F238E27FC236}">
-                <a16:creationId xmlns:a16="http://schemas.microsoft.com/office/drawing/2014/main" xmlns="" id="{DB8D49EC-434A-5443-AC3F-85F01995E632}"/>
+                <a16:creationId xmlns="" xmlns:a16="http://schemas.microsoft.com/office/drawing/2014/main" id="{DB8D49EC-434A-5443-AC3F-85F01995E632}"/>
               </a:ext>
             </a:extLst>
           </p:cNvPr>
@@ -7131,7 +7127,7 @@
           <p:cNvPr id="5" name="Текст 4">
             <a:extLst>
               <a:ext uri="{FF2B5EF4-FFF2-40B4-BE49-F238E27FC236}">
-                <a16:creationId xmlns:a16="http://schemas.microsoft.com/office/drawing/2014/main" xmlns="" id="{C6FAE0FA-3CAF-BA4B-8F9F-5FEF3C2F3CC6}"/>
+                <a16:creationId xmlns="" xmlns:a16="http://schemas.microsoft.com/office/drawing/2014/main" id="{C6FAE0FA-3CAF-BA4B-8F9F-5FEF3C2F3CC6}"/>
               </a:ext>
             </a:extLst>
           </p:cNvPr>
@@ -7164,7 +7160,7 @@
           <p:cNvPr id="6" name="Текст 5">
             <a:extLst>
               <a:ext uri="{FF2B5EF4-FFF2-40B4-BE49-F238E27FC236}">
-                <a16:creationId xmlns:a16="http://schemas.microsoft.com/office/drawing/2014/main" xmlns="" id="{44AFB2BF-A7AB-5648-ADCD-2A7F1BD35815}"/>
+                <a16:creationId xmlns="" xmlns:a16="http://schemas.microsoft.com/office/drawing/2014/main" id="{44AFB2BF-A7AB-5648-ADCD-2A7F1BD35815}"/>
               </a:ext>
             </a:extLst>
           </p:cNvPr>
@@ -7255,14 +7251,14 @@
                 <a:gridCol w="3796616">
                   <a:extLst>
                     <a:ext uri="{9D8B030D-6E8A-4147-A177-3AD203B41FA5}">
-                      <a16:colId xmlns:a16="http://schemas.microsoft.com/office/drawing/2014/main" xmlns="" val="3296702773"/>
+                      <a16:colId xmlns="" xmlns:a16="http://schemas.microsoft.com/office/drawing/2014/main" val="3296702773"/>
                     </a:ext>
                   </a:extLst>
                 </a:gridCol>
                 <a:gridCol w="3796616">
                   <a:extLst>
                     <a:ext uri="{9D8B030D-6E8A-4147-A177-3AD203B41FA5}">
-                      <a16:colId xmlns:a16="http://schemas.microsoft.com/office/drawing/2014/main" xmlns="" val="2485219701"/>
+                      <a16:colId xmlns="" xmlns:a16="http://schemas.microsoft.com/office/drawing/2014/main" val="2485219701"/>
                     </a:ext>
                   </a:extLst>
                 </a:gridCol>
@@ -7298,25 +7294,8 @@
                             </a:schemeClr>
                           </a:solidFill>
                         </a:rPr>
-                        <a:t>Выполнил студент группы </a:t>
+                        <a:t>Выполнил студент группы БПИ204</a:t>
                       </a:r>
-                      <a:r>
-                        <a:rPr lang="ru-RU" sz="1400" b="1" kern="1200" dirty="0" smtClean="0">
-                          <a:solidFill>
-                            <a:schemeClr val="accent1">
-                              <a:lumMod val="50000"/>
-                            </a:schemeClr>
-                          </a:solidFill>
-                        </a:rPr>
-                        <a:t>БПИ204</a:t>
-                      </a:r>
-                      <a:endParaRPr lang="ru-RU" sz="1400" b="1" kern="1200" dirty="0" smtClean="0">
-                        <a:solidFill>
-                          <a:schemeClr val="accent1">
-                            <a:lumMod val="50000"/>
-                          </a:schemeClr>
-                        </a:solidFill>
-                      </a:endParaRPr>
                     </a:p>
                     <a:p>
                       <a:pPr algn="r"/>
@@ -7395,7 +7374,7 @@
                 </a:tc>
                 <a:extLst>
                   <a:ext uri="{0D108BD9-81ED-4DB2-BD59-A6C34878D82A}">
-                    <a16:rowId xmlns:a16="http://schemas.microsoft.com/office/drawing/2014/main" xmlns="" val="4208027350"/>
+                    <a16:rowId xmlns="" xmlns:a16="http://schemas.microsoft.com/office/drawing/2014/main" val="4208027350"/>
                   </a:ext>
                 </a:extLst>
               </a:tr>
@@ -7459,16 +7438,6 @@
                           </a:solidFill>
                         </a:rPr>
                         <a:t>департамента </a:t>
-                      </a:r>
-                      <a:r>
-                        <a:rPr lang="ru-RU" sz="1400" b="1" kern="1200" dirty="0" smtClean="0">
-                          <a:solidFill>
-                            <a:schemeClr val="accent1">
-                              <a:lumMod val="50000"/>
-                            </a:schemeClr>
-                          </a:solidFill>
-                        </a:rPr>
-                        <a:t/>
                       </a:r>
                       <a:br>
                         <a:rPr lang="ru-RU" sz="1400" b="1" kern="1200" dirty="0" smtClean="0">
@@ -7538,7 +7507,7 @@
                 </a:tc>
                 <a:extLst>
                   <a:ext uri="{0D108BD9-81ED-4DB2-BD59-A6C34878D82A}">
-                    <a16:rowId xmlns:a16="http://schemas.microsoft.com/office/drawing/2014/main" xmlns="" val="1717538864"/>
+                    <a16:rowId xmlns="" xmlns:a16="http://schemas.microsoft.com/office/drawing/2014/main" val="1717538864"/>
                   </a:ext>
                 </a:extLst>
               </a:tr>
@@ -7581,7 +7550,7 @@
           <p:cNvPr id="3" name="Заголовок 2">
             <a:extLst>
               <a:ext uri="{FF2B5EF4-FFF2-40B4-BE49-F238E27FC236}">
-                <a16:creationId xmlns:a16="http://schemas.microsoft.com/office/drawing/2014/main" xmlns="" id="{E2EAF03B-EC26-1D47-94AC-C75942861D6C}"/>
+                <a16:creationId xmlns="" xmlns:a16="http://schemas.microsoft.com/office/drawing/2014/main" id="{E2EAF03B-EC26-1D47-94AC-C75942861D6C}"/>
               </a:ext>
             </a:extLst>
           </p:cNvPr>
@@ -7623,7 +7592,7 @@
           <p:cNvPr id="5" name="Текст 4">
             <a:extLst>
               <a:ext uri="{FF2B5EF4-FFF2-40B4-BE49-F238E27FC236}">
-                <a16:creationId xmlns:a16="http://schemas.microsoft.com/office/drawing/2014/main" xmlns="" id="{3EB29DC1-D5D4-FB41-9E2D-AA4750D0CC8B}"/>
+                <a16:creationId xmlns="" xmlns:a16="http://schemas.microsoft.com/office/drawing/2014/main" id="{3EB29DC1-D5D4-FB41-9E2D-AA4750D0CC8B}"/>
               </a:ext>
             </a:extLst>
           </p:cNvPr>
@@ -7662,7 +7631,7 @@
           <p:cNvPr id="10" name="Текст 5">
             <a:extLst>
               <a:ext uri="{FF2B5EF4-FFF2-40B4-BE49-F238E27FC236}">
-                <a16:creationId xmlns:a16="http://schemas.microsoft.com/office/drawing/2014/main" xmlns="" id="{B5B6DD1A-BEFA-D842-9B7A-78D7BD1A5259}"/>
+                <a16:creationId xmlns="" xmlns:a16="http://schemas.microsoft.com/office/drawing/2014/main" id="{B5B6DD1A-BEFA-D842-9B7A-78D7BD1A5259}"/>
               </a:ext>
             </a:extLst>
           </p:cNvPr>
@@ -7687,7 +7656,6 @@
               <a:rPr lang="ru-RU" dirty="0"/>
               <a:t>Программа для моделирования восприятия факторов успеха IТ-проекта с использованием НКК</a:t>
             </a:r>
-            <a:endParaRPr lang="ru-RU" dirty="0"/>
           </a:p>
         </p:txBody>
       </p:sp>
@@ -7696,7 +7664,7 @@
           <p:cNvPr id="12" name="Текст 6">
             <a:extLst>
               <a:ext uri="{FF2B5EF4-FFF2-40B4-BE49-F238E27FC236}">
-                <a16:creationId xmlns:a16="http://schemas.microsoft.com/office/drawing/2014/main" xmlns="" id="{88968744-3B75-9B47-92FD-77E1E725F232}"/>
+                <a16:creationId xmlns="" xmlns:a16="http://schemas.microsoft.com/office/drawing/2014/main" id="{88968744-3B75-9B47-92FD-77E1E725F232}"/>
               </a:ext>
             </a:extLst>
           </p:cNvPr>
@@ -7728,7 +7696,6 @@
               <a:rPr lang="ru-RU" dirty="0"/>
               <a:t>Никита Сергеевич</a:t>
             </a:r>
-            <a:endParaRPr lang="ru-RU" dirty="0"/>
           </a:p>
         </p:txBody>
       </p:sp>
@@ -7737,7 +7704,7 @@
           <p:cNvPr id="8" name="Текст 3">
             <a:extLst>
               <a:ext uri="{FF2B5EF4-FFF2-40B4-BE49-F238E27FC236}">
-                <a16:creationId xmlns:a16="http://schemas.microsoft.com/office/drawing/2014/main" xmlns="" id="{53356540-7218-FF4B-B6BC-5BD291A372E2}"/>
+                <a16:creationId xmlns="" xmlns:a16="http://schemas.microsoft.com/office/drawing/2014/main" id="{53356540-7218-FF4B-B6BC-5BD291A372E2}"/>
               </a:ext>
             </a:extLst>
           </p:cNvPr>
@@ -7947,7 +7914,7 @@
           <p:cNvPr id="3" name="Заголовок 2">
             <a:extLst>
               <a:ext uri="{FF2B5EF4-FFF2-40B4-BE49-F238E27FC236}">
-                <a16:creationId xmlns:a16="http://schemas.microsoft.com/office/drawing/2014/main" xmlns="" id="{E2EAF03B-EC26-1D47-94AC-C75942861D6C}"/>
+                <a16:creationId xmlns="" xmlns:a16="http://schemas.microsoft.com/office/drawing/2014/main" id="{E2EAF03B-EC26-1D47-94AC-C75942861D6C}"/>
               </a:ext>
             </a:extLst>
           </p:cNvPr>
@@ -7976,23 +7943,7 @@
                   <a:srgbClr val="0E2D69"/>
                 </a:solidFill>
               </a:rPr>
-              <a:t>Оценивание </a:t>
-            </a:r>
-            <a:r>
-              <a:rPr lang="ru-RU" sz="2800" dirty="0" smtClean="0">
-                <a:solidFill>
-                  <a:srgbClr val="0E2D69"/>
-                </a:solidFill>
-              </a:rPr>
-              <a:t>качества </a:t>
-            </a:r>
-            <a:r>
-              <a:rPr lang="ru-RU" sz="2800" dirty="0" smtClean="0">
-                <a:solidFill>
-                  <a:srgbClr val="0E2D69"/>
-                </a:solidFill>
-              </a:rPr>
-              <a:t>работы</a:t>
+              <a:t>Оценивание качества работы</a:t>
             </a:r>
             <a:endParaRPr lang="ru-RU" dirty="0">
               <a:solidFill>
@@ -8007,7 +7958,7 @@
           <p:cNvPr id="5" name="Текст 4">
             <a:extLst>
               <a:ext uri="{FF2B5EF4-FFF2-40B4-BE49-F238E27FC236}">
-                <a16:creationId xmlns:a16="http://schemas.microsoft.com/office/drawing/2014/main" xmlns="" id="{3EB29DC1-D5D4-FB41-9E2D-AA4750D0CC8B}"/>
+                <a16:creationId xmlns="" xmlns:a16="http://schemas.microsoft.com/office/drawing/2014/main" id="{3EB29DC1-D5D4-FB41-9E2D-AA4750D0CC8B}"/>
               </a:ext>
             </a:extLst>
           </p:cNvPr>
@@ -8046,7 +7997,7 @@
           <p:cNvPr id="10" name="Текст 5">
             <a:extLst>
               <a:ext uri="{FF2B5EF4-FFF2-40B4-BE49-F238E27FC236}">
-                <a16:creationId xmlns:a16="http://schemas.microsoft.com/office/drawing/2014/main" xmlns="" id="{B5B6DD1A-BEFA-D842-9B7A-78D7BD1A5259}"/>
+                <a16:creationId xmlns="" xmlns:a16="http://schemas.microsoft.com/office/drawing/2014/main" id="{B5B6DD1A-BEFA-D842-9B7A-78D7BD1A5259}"/>
               </a:ext>
             </a:extLst>
           </p:cNvPr>
@@ -8071,7 +8022,6 @@
               <a:rPr lang="ru-RU" dirty="0"/>
               <a:t>Программа для моделирования восприятия факторов успеха IТ-проекта с использованием НКК</a:t>
             </a:r>
-            <a:endParaRPr lang="ru-RU" dirty="0"/>
           </a:p>
         </p:txBody>
       </p:sp>
@@ -8080,7 +8030,7 @@
           <p:cNvPr id="12" name="Текст 6">
             <a:extLst>
               <a:ext uri="{FF2B5EF4-FFF2-40B4-BE49-F238E27FC236}">
-                <a16:creationId xmlns:a16="http://schemas.microsoft.com/office/drawing/2014/main" xmlns="" id="{88968744-3B75-9B47-92FD-77E1E725F232}"/>
+                <a16:creationId xmlns="" xmlns:a16="http://schemas.microsoft.com/office/drawing/2014/main" id="{88968744-3B75-9B47-92FD-77E1E725F232}"/>
               </a:ext>
             </a:extLst>
           </p:cNvPr>
@@ -8112,7 +8062,6 @@
               <a:rPr lang="ru-RU" dirty="0"/>
               <a:t>Никита Сергеевич</a:t>
             </a:r>
-            <a:endParaRPr lang="ru-RU" dirty="0"/>
           </a:p>
         </p:txBody>
       </p:sp>
@@ -8121,7 +8070,7 @@
           <p:cNvPr id="7" name="Текст 3">
             <a:extLst>
               <a:ext uri="{FF2B5EF4-FFF2-40B4-BE49-F238E27FC236}">
-                <a16:creationId xmlns:a16="http://schemas.microsoft.com/office/drawing/2014/main" xmlns="" id="{53356540-7218-FF4B-B6BC-5BD291A372E2}"/>
+                <a16:creationId xmlns="" xmlns:a16="http://schemas.microsoft.com/office/drawing/2014/main" id="{53356540-7218-FF4B-B6BC-5BD291A372E2}"/>
               </a:ext>
             </a:extLst>
           </p:cNvPr>
@@ -8271,7 +8220,7 @@
           <p:cNvPr id="3" name="Заголовок 2">
             <a:extLst>
               <a:ext uri="{FF2B5EF4-FFF2-40B4-BE49-F238E27FC236}">
-                <a16:creationId xmlns:a16="http://schemas.microsoft.com/office/drawing/2014/main" xmlns="" id="{E2EAF03B-EC26-1D47-94AC-C75942861D6C}"/>
+                <a16:creationId xmlns="" xmlns:a16="http://schemas.microsoft.com/office/drawing/2014/main" id="{E2EAF03B-EC26-1D47-94AC-C75942861D6C}"/>
               </a:ext>
             </a:extLst>
           </p:cNvPr>
@@ -8307,7 +8256,7 @@
           <p:cNvPr id="5" name="Текст 4">
             <a:extLst>
               <a:ext uri="{FF2B5EF4-FFF2-40B4-BE49-F238E27FC236}">
-                <a16:creationId xmlns:a16="http://schemas.microsoft.com/office/drawing/2014/main" xmlns="" id="{3EB29DC1-D5D4-FB41-9E2D-AA4750D0CC8B}"/>
+                <a16:creationId xmlns="" xmlns:a16="http://schemas.microsoft.com/office/drawing/2014/main" id="{3EB29DC1-D5D4-FB41-9E2D-AA4750D0CC8B}"/>
               </a:ext>
             </a:extLst>
           </p:cNvPr>
@@ -8346,7 +8295,7 @@
           <p:cNvPr id="10" name="Текст 5">
             <a:extLst>
               <a:ext uri="{FF2B5EF4-FFF2-40B4-BE49-F238E27FC236}">
-                <a16:creationId xmlns:a16="http://schemas.microsoft.com/office/drawing/2014/main" xmlns="" id="{B5B6DD1A-BEFA-D842-9B7A-78D7BD1A5259}"/>
+                <a16:creationId xmlns="" xmlns:a16="http://schemas.microsoft.com/office/drawing/2014/main" id="{B5B6DD1A-BEFA-D842-9B7A-78D7BD1A5259}"/>
               </a:ext>
             </a:extLst>
           </p:cNvPr>
@@ -8371,7 +8320,6 @@
               <a:rPr lang="ru-RU" dirty="0"/>
               <a:t>Программа для моделирования восприятия факторов успеха IТ-проекта с использованием НКК</a:t>
             </a:r>
-            <a:endParaRPr lang="ru-RU" dirty="0"/>
           </a:p>
         </p:txBody>
       </p:sp>
@@ -8380,7 +8328,7 @@
           <p:cNvPr id="12" name="Текст 6">
             <a:extLst>
               <a:ext uri="{FF2B5EF4-FFF2-40B4-BE49-F238E27FC236}">
-                <a16:creationId xmlns:a16="http://schemas.microsoft.com/office/drawing/2014/main" xmlns="" id="{88968744-3B75-9B47-92FD-77E1E725F232}"/>
+                <a16:creationId xmlns="" xmlns:a16="http://schemas.microsoft.com/office/drawing/2014/main" id="{88968744-3B75-9B47-92FD-77E1E725F232}"/>
               </a:ext>
             </a:extLst>
           </p:cNvPr>
@@ -8412,7 +8360,6 @@
               <a:rPr lang="ru-RU" dirty="0"/>
               <a:t>Никита Сергеевич</a:t>
             </a:r>
-            <a:endParaRPr lang="ru-RU" dirty="0"/>
           </a:p>
         </p:txBody>
       </p:sp>
@@ -8515,7 +8462,7 @@
           <p:cNvPr id="3" name="Заголовок 2">
             <a:extLst>
               <a:ext uri="{FF2B5EF4-FFF2-40B4-BE49-F238E27FC236}">
-                <a16:creationId xmlns:a16="http://schemas.microsoft.com/office/drawing/2014/main" xmlns="" id="{E2EAF03B-EC26-1D47-94AC-C75942861D6C}"/>
+                <a16:creationId xmlns="" xmlns:a16="http://schemas.microsoft.com/office/drawing/2014/main" id="{E2EAF03B-EC26-1D47-94AC-C75942861D6C}"/>
               </a:ext>
             </a:extLst>
           </p:cNvPr>
@@ -8551,7 +8498,7 @@
           <p:cNvPr id="5" name="Текст 4">
             <a:extLst>
               <a:ext uri="{FF2B5EF4-FFF2-40B4-BE49-F238E27FC236}">
-                <a16:creationId xmlns:a16="http://schemas.microsoft.com/office/drawing/2014/main" xmlns="" id="{3EB29DC1-D5D4-FB41-9E2D-AA4750D0CC8B}"/>
+                <a16:creationId xmlns="" xmlns:a16="http://schemas.microsoft.com/office/drawing/2014/main" id="{3EB29DC1-D5D4-FB41-9E2D-AA4750D0CC8B}"/>
               </a:ext>
             </a:extLst>
           </p:cNvPr>
@@ -8590,7 +8537,7 @@
           <p:cNvPr id="10" name="Текст 5">
             <a:extLst>
               <a:ext uri="{FF2B5EF4-FFF2-40B4-BE49-F238E27FC236}">
-                <a16:creationId xmlns:a16="http://schemas.microsoft.com/office/drawing/2014/main" xmlns="" id="{B5B6DD1A-BEFA-D842-9B7A-78D7BD1A5259}"/>
+                <a16:creationId xmlns="" xmlns:a16="http://schemas.microsoft.com/office/drawing/2014/main" id="{B5B6DD1A-BEFA-D842-9B7A-78D7BD1A5259}"/>
               </a:ext>
             </a:extLst>
           </p:cNvPr>
@@ -8615,7 +8562,6 @@
               <a:rPr lang="ru-RU" dirty="0"/>
               <a:t>Программа для моделирования восприятия факторов успеха IТ-проекта с использованием НКК</a:t>
             </a:r>
-            <a:endParaRPr lang="ru-RU" dirty="0"/>
           </a:p>
         </p:txBody>
       </p:sp>
@@ -8624,7 +8570,7 @@
           <p:cNvPr id="12" name="Текст 6">
             <a:extLst>
               <a:ext uri="{FF2B5EF4-FFF2-40B4-BE49-F238E27FC236}">
-                <a16:creationId xmlns:a16="http://schemas.microsoft.com/office/drawing/2014/main" xmlns="" id="{88968744-3B75-9B47-92FD-77E1E725F232}"/>
+                <a16:creationId xmlns="" xmlns:a16="http://schemas.microsoft.com/office/drawing/2014/main" id="{88968744-3B75-9B47-92FD-77E1E725F232}"/>
               </a:ext>
             </a:extLst>
           </p:cNvPr>
@@ -8656,7 +8602,6 @@
               <a:rPr lang="ru-RU" dirty="0"/>
               <a:t>Никита Сергеевич</a:t>
             </a:r>
-            <a:endParaRPr lang="ru-RU" dirty="0"/>
           </a:p>
         </p:txBody>
       </p:sp>
@@ -8665,7 +8610,7 @@
           <p:cNvPr id="7" name="Текст 3">
             <a:extLst>
               <a:ext uri="{FF2B5EF4-FFF2-40B4-BE49-F238E27FC236}">
-                <a16:creationId xmlns:a16="http://schemas.microsoft.com/office/drawing/2014/main" xmlns="" id="{53356540-7218-FF4B-B6BC-5BD291A372E2}"/>
+                <a16:creationId xmlns="" xmlns:a16="http://schemas.microsoft.com/office/drawing/2014/main" id="{53356540-7218-FF4B-B6BC-5BD291A372E2}"/>
               </a:ext>
             </a:extLst>
           </p:cNvPr>
@@ -8760,7 +8705,7 @@
           <p:cNvPr id="3" name="Заголовок 2">
             <a:extLst>
               <a:ext uri="{FF2B5EF4-FFF2-40B4-BE49-F238E27FC236}">
-                <a16:creationId xmlns:a16="http://schemas.microsoft.com/office/drawing/2014/main" xmlns="" id="{E2EAF03B-EC26-1D47-94AC-C75942861D6C}"/>
+                <a16:creationId xmlns="" xmlns:a16="http://schemas.microsoft.com/office/drawing/2014/main" id="{E2EAF03B-EC26-1D47-94AC-C75942861D6C}"/>
               </a:ext>
             </a:extLst>
           </p:cNvPr>
@@ -8793,7 +8738,7 @@
           <p:cNvPr id="4" name="Текст 3">
             <a:extLst>
               <a:ext uri="{FF2B5EF4-FFF2-40B4-BE49-F238E27FC236}">
-                <a16:creationId xmlns:a16="http://schemas.microsoft.com/office/drawing/2014/main" xmlns="" id="{53356540-7218-FF4B-B6BC-5BD291A372E2}"/>
+                <a16:creationId xmlns="" xmlns:a16="http://schemas.microsoft.com/office/drawing/2014/main" id="{53356540-7218-FF4B-B6BC-5BD291A372E2}"/>
               </a:ext>
             </a:extLst>
           </p:cNvPr>
@@ -8927,7 +8872,7 @@
                 <a:hlinkClick r:id="rId2">
                   <a:extLst>
                     <a:ext uri="{A12FA001-AC4F-418D-AE19-62706E023703}">
-                      <ahyp:hlinkClr xmlns="" xmlns:mc="http://schemas.openxmlformats.org/markup-compatibility/2006" xmlns:mv="urn:schemas-microsoft-com:mac:vml" xmlns:c="http://schemas.openxmlformats.org/drawingml/2006/chart" xmlns:dgm="http://schemas.openxmlformats.org/drawingml/2006/diagram" xmlns:o="urn:schemas-microsoft-com:office:office" xmlns:v="urn:schemas-microsoft-com:vml" xmlns:pvml="urn:schemas-microsoft-com:office:powerpoint" xmlns:com="http://schemas.openxmlformats.org/drawingml/2006/compatibility" xmlns:p14="http://schemas.microsoft.com/office/powerpoint/2010/main" xmlns:p15="http://schemas.microsoft.com/office/powerpoint/2012/main" xmlns:ahyp="http://schemas.microsoft.com/office/drawing/2018/hyperlinkcolor" xmlns:lc="http://schemas.openxmlformats.org/drawingml/2006/lockedCanvas" val="tx"/>
+                      <ahyp:hlinkClr xmlns:lc="http://schemas.openxmlformats.org/drawingml/2006/lockedCanvas" xmlns:ahyp="http://schemas.microsoft.com/office/drawing/2018/hyperlinkcolor" xmlns:p15="http://schemas.microsoft.com/office/powerpoint/2012/main" xmlns:p14="http://schemas.microsoft.com/office/powerpoint/2010/main" xmlns:com="http://schemas.openxmlformats.org/drawingml/2006/compatibility" xmlns:pvml="urn:schemas-microsoft-com:office:powerpoint" xmlns:v="urn:schemas-microsoft-com:vml" xmlns:o="urn:schemas-microsoft-com:office:office" xmlns:dgm="http://schemas.openxmlformats.org/drawingml/2006/diagram" xmlns:c="http://schemas.openxmlformats.org/drawingml/2006/chart" xmlns:mv="urn:schemas-microsoft-com:mac:vml" xmlns:mc="http://schemas.openxmlformats.org/markup-compatibility/2006" xmlns="" val="tx"/>
                     </a:ext>
                   </a:extLst>
                 </a:hlinkClick>
@@ -9118,7 +9063,7 @@
                 <a:hlinkClick r:id="rId3">
                   <a:extLst>
                     <a:ext uri="{A12FA001-AC4F-418D-AE19-62706E023703}">
-                      <ahyp:hlinkClr xmlns="" xmlns:mc="http://schemas.openxmlformats.org/markup-compatibility/2006" xmlns:mv="urn:schemas-microsoft-com:mac:vml" xmlns:c="http://schemas.openxmlformats.org/drawingml/2006/chart" xmlns:dgm="http://schemas.openxmlformats.org/drawingml/2006/diagram" xmlns:o="urn:schemas-microsoft-com:office:office" xmlns:v="urn:schemas-microsoft-com:vml" xmlns:pvml="urn:schemas-microsoft-com:office:powerpoint" xmlns:com="http://schemas.openxmlformats.org/drawingml/2006/compatibility" xmlns:p14="http://schemas.microsoft.com/office/powerpoint/2010/main" xmlns:p15="http://schemas.microsoft.com/office/powerpoint/2012/main" xmlns:ahyp="http://schemas.microsoft.com/office/drawing/2018/hyperlinkcolor" xmlns:lc="http://schemas.openxmlformats.org/drawingml/2006/lockedCanvas" val="tx"/>
+                      <ahyp:hlinkClr xmlns:lc="http://schemas.openxmlformats.org/drawingml/2006/lockedCanvas" xmlns:ahyp="http://schemas.microsoft.com/office/drawing/2018/hyperlinkcolor" xmlns:p15="http://schemas.microsoft.com/office/powerpoint/2012/main" xmlns:p14="http://schemas.microsoft.com/office/powerpoint/2010/main" xmlns:com="http://schemas.openxmlformats.org/drawingml/2006/compatibility" xmlns:pvml="urn:schemas-microsoft-com:office:powerpoint" xmlns:v="urn:schemas-microsoft-com:vml" xmlns:o="urn:schemas-microsoft-com:office:office" xmlns:dgm="http://schemas.openxmlformats.org/drawingml/2006/diagram" xmlns:c="http://schemas.openxmlformats.org/drawingml/2006/chart" xmlns:mv="urn:schemas-microsoft-com:mac:vml" xmlns:mc="http://schemas.openxmlformats.org/markup-compatibility/2006" xmlns="" val="tx"/>
                     </a:ext>
                   </a:extLst>
                 </a:hlinkClick>
@@ -9376,7 +9321,7 @@
                 <a:hlinkClick r:id="rId4">
                   <a:extLst>
                     <a:ext uri="{A12FA001-AC4F-418D-AE19-62706E023703}">
-                      <ahyp:hlinkClr xmlns="" xmlns:mc="http://schemas.openxmlformats.org/markup-compatibility/2006" xmlns:mv="urn:schemas-microsoft-com:mac:vml" xmlns:c="http://schemas.openxmlformats.org/drawingml/2006/chart" xmlns:dgm="http://schemas.openxmlformats.org/drawingml/2006/diagram" xmlns:o="urn:schemas-microsoft-com:office:office" xmlns:v="urn:schemas-microsoft-com:vml" xmlns:pvml="urn:schemas-microsoft-com:office:powerpoint" xmlns:com="http://schemas.openxmlformats.org/drawingml/2006/compatibility" xmlns:p14="http://schemas.microsoft.com/office/powerpoint/2010/main" xmlns:p15="http://schemas.microsoft.com/office/powerpoint/2012/main" xmlns:ahyp="http://schemas.microsoft.com/office/drawing/2018/hyperlinkcolor" xmlns:lc="http://schemas.openxmlformats.org/drawingml/2006/lockedCanvas" val="tx"/>
+                      <ahyp:hlinkClr xmlns:lc="http://schemas.openxmlformats.org/drawingml/2006/lockedCanvas" xmlns:ahyp="http://schemas.microsoft.com/office/drawing/2018/hyperlinkcolor" xmlns:p15="http://schemas.microsoft.com/office/powerpoint/2012/main" xmlns:p14="http://schemas.microsoft.com/office/powerpoint/2010/main" xmlns:com="http://schemas.openxmlformats.org/drawingml/2006/compatibility" xmlns:pvml="urn:schemas-microsoft-com:office:powerpoint" xmlns:v="urn:schemas-microsoft-com:vml" xmlns:o="urn:schemas-microsoft-com:office:office" xmlns:dgm="http://schemas.openxmlformats.org/drawingml/2006/diagram" xmlns:c="http://schemas.openxmlformats.org/drawingml/2006/chart" xmlns:mv="urn:schemas-microsoft-com:mac:vml" xmlns:mc="http://schemas.openxmlformats.org/markup-compatibility/2006" xmlns="" val="tx"/>
                     </a:ext>
                   </a:extLst>
                 </a:hlinkClick>
@@ -9415,7 +9360,7 @@
                 <a:hlinkClick r:id="rId4">
                   <a:extLst>
                     <a:ext uri="{A12FA001-AC4F-418D-AE19-62706E023703}">
-                      <ahyp:hlinkClr xmlns="" xmlns:mc="http://schemas.openxmlformats.org/markup-compatibility/2006" xmlns:mv="urn:schemas-microsoft-com:mac:vml" xmlns:c="http://schemas.openxmlformats.org/drawingml/2006/chart" xmlns:dgm="http://schemas.openxmlformats.org/drawingml/2006/diagram" xmlns:o="urn:schemas-microsoft-com:office:office" xmlns:v="urn:schemas-microsoft-com:vml" xmlns:pvml="urn:schemas-microsoft-com:office:powerpoint" xmlns:com="http://schemas.openxmlformats.org/drawingml/2006/compatibility" xmlns:p14="http://schemas.microsoft.com/office/powerpoint/2010/main" xmlns:p15="http://schemas.microsoft.com/office/powerpoint/2012/main" xmlns:ahyp="http://schemas.microsoft.com/office/drawing/2018/hyperlinkcolor" xmlns:lc="http://schemas.openxmlformats.org/drawingml/2006/lockedCanvas" val="tx"/>
+                      <ahyp:hlinkClr xmlns:lc="http://schemas.openxmlformats.org/drawingml/2006/lockedCanvas" xmlns:ahyp="http://schemas.microsoft.com/office/drawing/2018/hyperlinkcolor" xmlns:p15="http://schemas.microsoft.com/office/powerpoint/2012/main" xmlns:p14="http://schemas.microsoft.com/office/powerpoint/2010/main" xmlns:com="http://schemas.openxmlformats.org/drawingml/2006/compatibility" xmlns:pvml="urn:schemas-microsoft-com:office:powerpoint" xmlns:v="urn:schemas-microsoft-com:vml" xmlns:o="urn:schemas-microsoft-com:office:office" xmlns:dgm="http://schemas.openxmlformats.org/drawingml/2006/diagram" xmlns:c="http://schemas.openxmlformats.org/drawingml/2006/chart" xmlns:mv="urn:schemas-microsoft-com:mac:vml" xmlns:mc="http://schemas.openxmlformats.org/markup-compatibility/2006" xmlns="" val="tx"/>
                     </a:ext>
                   </a:extLst>
                 </a:hlinkClick>
@@ -9693,7 +9638,7 @@
           <p:cNvPr id="5" name="Текст 4">
             <a:extLst>
               <a:ext uri="{FF2B5EF4-FFF2-40B4-BE49-F238E27FC236}">
-                <a16:creationId xmlns:a16="http://schemas.microsoft.com/office/drawing/2014/main" xmlns="" id="{3EB29DC1-D5D4-FB41-9E2D-AA4750D0CC8B}"/>
+                <a16:creationId xmlns="" xmlns:a16="http://schemas.microsoft.com/office/drawing/2014/main" id="{3EB29DC1-D5D4-FB41-9E2D-AA4750D0CC8B}"/>
               </a:ext>
             </a:extLst>
           </p:cNvPr>
@@ -9732,7 +9677,7 @@
           <p:cNvPr id="8" name="Текст 6">
             <a:extLst>
               <a:ext uri="{FF2B5EF4-FFF2-40B4-BE49-F238E27FC236}">
-                <a16:creationId xmlns:a16="http://schemas.microsoft.com/office/drawing/2014/main" xmlns="" id="{88968744-3B75-9B47-92FD-77E1E725F232}"/>
+                <a16:creationId xmlns="" xmlns:a16="http://schemas.microsoft.com/office/drawing/2014/main" id="{88968744-3B75-9B47-92FD-77E1E725F232}"/>
               </a:ext>
             </a:extLst>
           </p:cNvPr>
@@ -9764,7 +9709,6 @@
               <a:rPr lang="ru-RU" dirty="0"/>
               <a:t>Никита Сергеевич</a:t>
             </a:r>
-            <a:endParaRPr lang="ru-RU" dirty="0"/>
           </a:p>
         </p:txBody>
       </p:sp>
@@ -9773,7 +9717,7 @@
           <p:cNvPr id="11" name="Текст 5">
             <a:extLst>
               <a:ext uri="{FF2B5EF4-FFF2-40B4-BE49-F238E27FC236}">
-                <a16:creationId xmlns:a16="http://schemas.microsoft.com/office/drawing/2014/main" xmlns="" id="{B5B6DD1A-BEFA-D842-9B7A-78D7BD1A5259}"/>
+                <a16:creationId xmlns="" xmlns:a16="http://schemas.microsoft.com/office/drawing/2014/main" id="{B5B6DD1A-BEFA-D842-9B7A-78D7BD1A5259}"/>
               </a:ext>
             </a:extLst>
           </p:cNvPr>
@@ -9798,7 +9742,6 @@
               <a:rPr lang="ru-RU" dirty="0"/>
               <a:t>Программа для моделирования восприятия факторов успеха IТ-проекта с использованием НКК</a:t>
             </a:r>
-            <a:endParaRPr lang="ru-RU" dirty="0"/>
           </a:p>
         </p:txBody>
       </p:sp>
@@ -9837,7 +9780,7 @@
           <p:cNvPr id="3" name="Заголовок 2">
             <a:extLst>
               <a:ext uri="{FF2B5EF4-FFF2-40B4-BE49-F238E27FC236}">
-                <a16:creationId xmlns:a16="http://schemas.microsoft.com/office/drawing/2014/main" xmlns="" id="{E2EAF03B-EC26-1D47-94AC-C75942861D6C}"/>
+                <a16:creationId xmlns="" xmlns:a16="http://schemas.microsoft.com/office/drawing/2014/main" id="{E2EAF03B-EC26-1D47-94AC-C75942861D6C}"/>
               </a:ext>
             </a:extLst>
           </p:cNvPr>
@@ -9871,7 +9814,7 @@
           <p:cNvPr id="5" name="Текст 4">
             <a:extLst>
               <a:ext uri="{FF2B5EF4-FFF2-40B4-BE49-F238E27FC236}">
-                <a16:creationId xmlns:a16="http://schemas.microsoft.com/office/drawing/2014/main" xmlns="" id="{3EB29DC1-D5D4-FB41-9E2D-AA4750D0CC8B}"/>
+                <a16:creationId xmlns="" xmlns:a16="http://schemas.microsoft.com/office/drawing/2014/main" id="{3EB29DC1-D5D4-FB41-9E2D-AA4750D0CC8B}"/>
               </a:ext>
             </a:extLst>
           </p:cNvPr>
@@ -9904,7 +9847,7 @@
           <p:cNvPr id="8" name="Текст 3">
             <a:extLst>
               <a:ext uri="{FF2B5EF4-FFF2-40B4-BE49-F238E27FC236}">
-                <a16:creationId xmlns:a16="http://schemas.microsoft.com/office/drawing/2014/main" xmlns="" id="{C43CB66B-7797-423D-A478-A598D0BB8D45}"/>
+                <a16:creationId xmlns="" xmlns:a16="http://schemas.microsoft.com/office/drawing/2014/main" id="{C43CB66B-7797-423D-A478-A598D0BB8D45}"/>
               </a:ext>
             </a:extLst>
           </p:cNvPr>
@@ -9964,7 +9907,7 @@
           <p:cNvPr id="7" name="Текст 5">
             <a:extLst>
               <a:ext uri="{FF2B5EF4-FFF2-40B4-BE49-F238E27FC236}">
-                <a16:creationId xmlns:a16="http://schemas.microsoft.com/office/drawing/2014/main" xmlns="" id="{B5B6DD1A-BEFA-D842-9B7A-78D7BD1A5259}"/>
+                <a16:creationId xmlns="" xmlns:a16="http://schemas.microsoft.com/office/drawing/2014/main" id="{B5B6DD1A-BEFA-D842-9B7A-78D7BD1A5259}"/>
               </a:ext>
             </a:extLst>
           </p:cNvPr>
@@ -9989,7 +9932,6 @@
               <a:rPr lang="ru-RU" dirty="0"/>
               <a:t>Программа для моделирования восприятия факторов успеха IТ-проекта с использованием НКК</a:t>
             </a:r>
-            <a:endParaRPr lang="ru-RU" dirty="0"/>
           </a:p>
         </p:txBody>
       </p:sp>
@@ -10028,7 +9970,7 @@
           <p:cNvPr id="5" name="Текст 4">
             <a:extLst>
               <a:ext uri="{FF2B5EF4-FFF2-40B4-BE49-F238E27FC236}">
-                <a16:creationId xmlns:a16="http://schemas.microsoft.com/office/drawing/2014/main" xmlns="" id="{3EB29DC1-D5D4-FB41-9E2D-AA4750D0CC8B}"/>
+                <a16:creationId xmlns="" xmlns:a16="http://schemas.microsoft.com/office/drawing/2014/main" id="{3EB29DC1-D5D4-FB41-9E2D-AA4750D0CC8B}"/>
               </a:ext>
             </a:extLst>
           </p:cNvPr>
@@ -10067,7 +10009,7 @@
           <p:cNvPr id="10" name="Текст 5">
             <a:extLst>
               <a:ext uri="{FF2B5EF4-FFF2-40B4-BE49-F238E27FC236}">
-                <a16:creationId xmlns:a16="http://schemas.microsoft.com/office/drawing/2014/main" xmlns="" id="{B5B6DD1A-BEFA-D842-9B7A-78D7BD1A5259}"/>
+                <a16:creationId xmlns="" xmlns:a16="http://schemas.microsoft.com/office/drawing/2014/main" id="{B5B6DD1A-BEFA-D842-9B7A-78D7BD1A5259}"/>
               </a:ext>
             </a:extLst>
           </p:cNvPr>
@@ -10105,7 +10047,7 @@
           <p:cNvPr id="12" name="Текст 6">
             <a:extLst>
               <a:ext uri="{FF2B5EF4-FFF2-40B4-BE49-F238E27FC236}">
-                <a16:creationId xmlns:a16="http://schemas.microsoft.com/office/drawing/2014/main" xmlns="" id="{88968744-3B75-9B47-92FD-77E1E725F232}"/>
+                <a16:creationId xmlns="" xmlns:a16="http://schemas.microsoft.com/office/drawing/2014/main" id="{88968744-3B75-9B47-92FD-77E1E725F232}"/>
               </a:ext>
             </a:extLst>
           </p:cNvPr>
@@ -10300,9 +10242,67 @@
           </a:p>
         </p:txBody>
       </p:sp>
+      <p:sp>
+        <p:nvSpPr>
+          <p:cNvPr id="19" name="Google Shape;364;p79"/>
+          <p:cNvSpPr txBox="1"/>
+          <p:nvPr/>
+        </p:nvSpPr>
+        <p:spPr>
+          <a:xfrm>
+            <a:off x="466233" y="5996375"/>
+            <a:ext cx="5158562" cy="604171"/>
+          </a:xfrm>
+          <a:prstGeom prst="rect">
+            <a:avLst/>
+          </a:prstGeom>
+          <a:noFill/>
+          <a:ln>
+            <a:noFill/>
+          </a:ln>
+        </p:spPr>
+        <p:txBody>
+          <a:bodyPr spcFirstLastPara="1" wrap="square" lIns="91425" tIns="91425" rIns="91425" bIns="91425" anchor="t" anchorCtr="0">
+            <a:noAutofit/>
+          </a:bodyPr>
+          <a:lstStyle/>
+          <a:p>
+            <a:pPr marL="0" lvl="0" indent="0" algn="ctr" rtl="0">
+              <a:spcBef>
+                <a:spcPts val="0"/>
+              </a:spcBef>
+              <a:spcAft>
+                <a:spcPts val="0"/>
+              </a:spcAft>
+              <a:buNone/>
+            </a:pPr>
+            <a:r>
+              <a:rPr lang="ru" sz="1500" dirty="0">
+                <a:solidFill>
+                  <a:srgbClr val="0F2C68"/>
+                </a:solidFill>
+                <a:latin typeface="Roboto"/>
+                <a:ea typeface="Roboto"/>
+                <a:cs typeface="Roboto"/>
+                <a:sym typeface="Roboto"/>
+              </a:rPr>
+              <a:t>Функции принадлежности лингвистической переменной</a:t>
+            </a:r>
+            <a:endParaRPr sz="1500" dirty="0">
+              <a:solidFill>
+                <a:srgbClr val="0F2C68"/>
+              </a:solidFill>
+              <a:latin typeface="Roboto"/>
+              <a:ea typeface="Roboto"/>
+              <a:cs typeface="Roboto"/>
+              <a:sym typeface="Roboto"/>
+            </a:endParaRPr>
+          </a:p>
+        </p:txBody>
+      </p:sp>
       <p:pic>
         <p:nvPicPr>
-          <p:cNvPr id="17" name="Google Shape;362;p79"/>
+          <p:cNvPr id="20" name="Google Shape;365;p79"/>
           <p:cNvPicPr preferRelativeResize="0"/>
           <p:nvPr/>
         </p:nvPicPr>
@@ -10316,8 +10316,8 @@
         </p:blipFill>
         <p:spPr>
           <a:xfrm>
-            <a:off x="6062207" y="1340057"/>
-            <a:ext cx="5887557" cy="4074017"/>
+            <a:off x="759612" y="3126236"/>
+            <a:ext cx="4425036" cy="2978854"/>
           </a:xfrm>
           <a:prstGeom prst="rect">
             <a:avLst/>
@@ -10328,16 +10328,80 @@
           </a:ln>
         </p:spPr>
       </p:pic>
-      <p:sp>
-        <p:nvSpPr>
-          <p:cNvPr id="18" name="Google Shape;363;p79"/>
+      <p:pic>
+        <p:nvPicPr>
+          <p:cNvPr id="1026" name="Picture 2"/>
+          <p:cNvPicPr>
+            <a:picLocks noChangeAspect="1" noChangeArrowheads="1"/>
+          </p:cNvPicPr>
+          <p:nvPr/>
+        </p:nvPicPr>
+        <p:blipFill>
+          <a:blip r:embed="rId3">
+            <a:extLst>
+              <a:ext uri="{28A0092B-C50C-407E-A947-70E740481C1C}">
+                <a14:useLocalDpi xmlns:a14="http://schemas.microsoft.com/office/drawing/2010/main" val="0"/>
+              </a:ext>
+            </a:extLst>
+          </a:blip>
+          <a:srcRect/>
+          <a:stretch>
+            <a:fillRect/>
+          </a:stretch>
+        </p:blipFill>
+        <p:spPr bwMode="auto">
+          <a:xfrm>
+            <a:off x="6712751" y="1881026"/>
+            <a:ext cx="4707089" cy="3366814"/>
+          </a:xfrm>
+          <a:prstGeom prst="rect">
+            <a:avLst/>
+          </a:prstGeom>
+          <a:noFill/>
+          <a:ln>
+            <a:noFill/>
+          </a:ln>
+          <a:effectLst/>
+          <a:extLst>
+            <a:ext uri="{909E8E84-426E-40DD-AFC4-6F175D3DCCD1}">
+              <a14:hiddenFill xmlns:a14="http://schemas.microsoft.com/office/drawing/2010/main">
+                <a:solidFill>
+                  <a:schemeClr val="accent1"/>
+                </a:solidFill>
+              </a14:hiddenFill>
+            </a:ext>
+            <a:ext uri="{91240B29-F687-4F45-9708-019B960494DF}">
+              <a14:hiddenLine xmlns:a14="http://schemas.microsoft.com/office/drawing/2010/main" w="9525">
+                <a:solidFill>
+                  <a:schemeClr val="tx1"/>
+                </a:solidFill>
+                <a:miter lim="800000"/>
+                <a:headEnd/>
+                <a:tailEnd/>
+              </a14:hiddenLine>
+            </a:ext>
+            <a:ext uri="{AF507438-7753-43E0-B8FC-AC1667EBCBE1}">
+              <a14:hiddenEffects xmlns:a14="http://schemas.microsoft.com/office/drawing/2010/main">
+                <a:effectLst>
+                  <a:outerShdw dist="35921" dir="2700000" algn="ctr" rotWithShape="0">
+                    <a:schemeClr val="bg2"/>
+                  </a:outerShdw>
+                </a:effectLst>
+              </a14:hiddenEffects>
+            </a:ext>
+          </a:extLst>
+        </p:spPr>
+      </p:pic>
+      <p:sp>
+        <p:nvSpPr>
+          <p:cNvPr id="14" name="Google Shape;364;p79"/>
           <p:cNvSpPr txBox="1"/>
           <p:nvPr/>
         </p:nvSpPr>
         <p:spPr>
           <a:xfrm>
-            <a:off x="7067007" y="5414075"/>
-            <a:ext cx="4336800" cy="582300"/>
+            <a:off x="6487014" y="5333219"/>
+            <a:ext cx="5158562" cy="604171"/>
           </a:xfrm>
           <a:prstGeom prst="rect">
             <a:avLst/>
@@ -10363,7 +10427,7 @@
               <a:buNone/>
             </a:pPr>
             <a:r>
-              <a:rPr lang="ru" sz="1500" dirty="0">
+              <a:rPr lang="ru" sz="1500" dirty="0" smtClean="0">
                 <a:solidFill>
                   <a:srgbClr val="0F2C68"/>
                 </a:solidFill>
@@ -10372,7 +10436,7 @@
                 <a:cs typeface="Roboto"/>
                 <a:sym typeface="Roboto"/>
               </a:rPr>
-              <a:t>Нечеткая когнитивная карта цифрового региона Великобритании, экономика которого основана на биотехнологиях</a:t>
+              <a:t>Когнитивная карта факторов успеха проекта с использованием ИИ</a:t>
             </a:r>
             <a:endParaRPr sz="1500" dirty="0">
               <a:solidFill>
@@ -10386,92 +10450,6 @@
           </a:p>
         </p:txBody>
       </p:sp>
-      <p:sp>
-        <p:nvSpPr>
-          <p:cNvPr id="19" name="Google Shape;364;p79"/>
-          <p:cNvSpPr txBox="1"/>
-          <p:nvPr/>
-        </p:nvSpPr>
-        <p:spPr>
-          <a:xfrm>
-            <a:off x="466233" y="5996375"/>
-            <a:ext cx="5158562" cy="604171"/>
-          </a:xfrm>
-          <a:prstGeom prst="rect">
-            <a:avLst/>
-          </a:prstGeom>
-          <a:noFill/>
-          <a:ln>
-            <a:noFill/>
-          </a:ln>
-        </p:spPr>
-        <p:txBody>
-          <a:bodyPr spcFirstLastPara="1" wrap="square" lIns="91425" tIns="91425" rIns="91425" bIns="91425" anchor="t" anchorCtr="0">
-            <a:noAutofit/>
-          </a:bodyPr>
-          <a:lstStyle/>
-          <a:p>
-            <a:pPr marL="0" lvl="0" indent="0" algn="ctr" rtl="0">
-              <a:spcBef>
-                <a:spcPts val="0"/>
-              </a:spcBef>
-              <a:spcAft>
-                <a:spcPts val="0"/>
-              </a:spcAft>
-              <a:buNone/>
-            </a:pPr>
-            <a:r>
-              <a:rPr lang="ru" sz="1500" dirty="0">
-                <a:solidFill>
-                  <a:srgbClr val="0F2C68"/>
-                </a:solidFill>
-                <a:latin typeface="Roboto"/>
-                <a:ea typeface="Roboto"/>
-                <a:cs typeface="Roboto"/>
-                <a:sym typeface="Roboto"/>
-              </a:rPr>
-              <a:t>Функции принадлежности лингвистической переменной</a:t>
-            </a:r>
-            <a:endParaRPr sz="1500" dirty="0">
-              <a:solidFill>
-                <a:srgbClr val="0F2C68"/>
-              </a:solidFill>
-              <a:latin typeface="Roboto"/>
-              <a:ea typeface="Roboto"/>
-              <a:cs typeface="Roboto"/>
-              <a:sym typeface="Roboto"/>
-            </a:endParaRPr>
-          </a:p>
-        </p:txBody>
-      </p:sp>
-      <p:pic>
-        <p:nvPicPr>
-          <p:cNvPr id="20" name="Google Shape;365;p79"/>
-          <p:cNvPicPr preferRelativeResize="0"/>
-          <p:nvPr/>
-        </p:nvPicPr>
-        <p:blipFill>
-          <a:blip r:embed="rId3">
-            <a:alphaModFix/>
-          </a:blip>
-          <a:stretch>
-            <a:fillRect/>
-          </a:stretch>
-        </p:blipFill>
-        <p:spPr>
-          <a:xfrm>
-            <a:off x="759612" y="3126236"/>
-            <a:ext cx="4425036" cy="2978854"/>
-          </a:xfrm>
-          <a:prstGeom prst="rect">
-            <a:avLst/>
-          </a:prstGeom>
-          <a:noFill/>
-          <a:ln>
-            <a:noFill/>
-          </a:ln>
-        </p:spPr>
-      </p:pic>
     </p:spTree>
     <p:extLst>
       <p:ext uri="{BB962C8B-B14F-4D97-AF65-F5344CB8AC3E}">
@@ -10507,7 +10485,7 @@
           <p:cNvPr id="3" name="Заголовок 2">
             <a:extLst>
               <a:ext uri="{FF2B5EF4-FFF2-40B4-BE49-F238E27FC236}">
-                <a16:creationId xmlns:a16="http://schemas.microsoft.com/office/drawing/2014/main" xmlns="" id="{E2EAF03B-EC26-1D47-94AC-C75942861D6C}"/>
+                <a16:creationId xmlns="" xmlns:a16="http://schemas.microsoft.com/office/drawing/2014/main" id="{E2EAF03B-EC26-1D47-94AC-C75942861D6C}"/>
               </a:ext>
             </a:extLst>
           </p:cNvPr>
@@ -10551,7 +10529,7 @@
           <p:cNvPr id="4" name="Текст 3">
             <a:extLst>
               <a:ext uri="{FF2B5EF4-FFF2-40B4-BE49-F238E27FC236}">
-                <a16:creationId xmlns:a16="http://schemas.microsoft.com/office/drawing/2014/main" xmlns="" id="{53356540-7218-FF4B-B6BC-5BD291A372E2}"/>
+                <a16:creationId xmlns="" xmlns:a16="http://schemas.microsoft.com/office/drawing/2014/main" id="{53356540-7218-FF4B-B6BC-5BD291A372E2}"/>
               </a:ext>
             </a:extLst>
           </p:cNvPr>
@@ -10564,7 +10542,7 @@
         </p:nvSpPr>
         <p:spPr>
           <a:xfrm>
-            <a:off x="585897" y="2002536"/>
+            <a:off x="6165913" y="1962912"/>
             <a:ext cx="5403423" cy="4425696"/>
           </a:xfrm>
         </p:spPr>
@@ -10598,9 +10576,6 @@
               <a:rPr lang="ru-RU" sz="1400" dirty="0" smtClean="0"/>
               <a:t>.</a:t>
             </a:r>
-            <a:endParaRPr lang="en-US" sz="1400" dirty="0" smtClean="0"/>
-          </a:p>
-          <a:p>
             <a:r>
               <a:rPr lang="ru-RU" sz="1400" dirty="0"/>
               <a:t/>
@@ -10609,21 +10584,6 @@
               <a:rPr lang="ru-RU" sz="1400" dirty="0"/>
             </a:br>
             <a:r>
-              <a:rPr lang="ru-RU" sz="1400" dirty="0" smtClean="0"/>
-              <a:t>Когнитивные карты: </a:t>
-            </a:r>
-            <a:r>
-              <a:rPr lang="ru-RU" sz="1400" dirty="0"/>
-              <a:t>Психологический инструмент, используемый для представления знаний, представлений и восприятий. Применяются в моделировании сложных систем и проблем</a:t>
-            </a:r>
-            <a:r>
-              <a:rPr lang="ru-RU" sz="1400" dirty="0" smtClean="0"/>
-              <a:t>.</a:t>
-            </a:r>
-            <a:endParaRPr lang="en-US" sz="1400" dirty="0" smtClean="0"/>
-          </a:p>
-          <a:p>
-            <a:r>
               <a:rPr lang="ru-RU" sz="1400" dirty="0"/>
               <a:t/>
             </a:r>
@@ -10632,51 +10592,16 @@
             </a:br>
             <a:r>
               <a:rPr lang="ru-RU" sz="1400" dirty="0" smtClean="0"/>
-              <a:t>Нечеткие </a:t>
+              <a:t>Когнитивные карты: </a:t>
             </a:r>
             <a:r>
               <a:rPr lang="ru-RU" sz="1400" dirty="0"/>
-              <a:t>когнитивные карты (</a:t>
-            </a:r>
-            <a:r>
-              <a:rPr lang="ru-RU" sz="1400" dirty="0" err="1"/>
-              <a:t>Fuzzy</a:t>
-            </a:r>
-            <a:r>
-              <a:rPr lang="ru-RU" sz="1400" dirty="0"/>
-              <a:t> </a:t>
-            </a:r>
-            <a:r>
-              <a:rPr lang="ru-RU" sz="1400" dirty="0" err="1"/>
-              <a:t>Cognitive</a:t>
-            </a:r>
-            <a:r>
-              <a:rPr lang="ru-RU" sz="1400" dirty="0"/>
-              <a:t> </a:t>
-            </a:r>
-            <a:r>
-              <a:rPr lang="ru-RU" sz="1400" dirty="0" err="1"/>
-              <a:t>Maps</a:t>
-            </a:r>
-            <a:r>
-              <a:rPr lang="ru-RU" sz="1400" dirty="0"/>
-              <a:t>, FCM</a:t>
-            </a:r>
-            <a:r>
-              <a:rPr lang="ru-RU" sz="1400" dirty="0" smtClean="0"/>
-              <a:t>): </a:t>
-            </a:r>
-            <a:r>
-              <a:rPr lang="ru-RU" sz="1400" dirty="0"/>
-              <a:t>Расширение обычных когнитивных карт, позволяющее представить информацию об отношениях между элементами системы в виде нечетких значений</a:t>
+              <a:t>Психологический инструмент, используемый для представления знаний, представлений и восприятий. Применяются в моделировании сложных систем и проблем</a:t>
             </a:r>
             <a:r>
               <a:rPr lang="ru-RU" sz="1400" dirty="0" smtClean="0"/>
               <a:t>.</a:t>
             </a:r>
-            <a:endParaRPr lang="en-US" sz="1400" dirty="0" smtClean="0"/>
-          </a:p>
-          <a:p>
             <a:r>
               <a:rPr lang="ru-RU" sz="1400" dirty="0"/>
               <a:t/>
@@ -10685,21 +10610,6 @@
               <a:rPr lang="ru-RU" sz="1400" dirty="0"/>
             </a:br>
             <a:r>
-              <a:rPr lang="ru-RU" sz="1400" dirty="0" smtClean="0"/>
-              <a:t>IT-проект: </a:t>
-            </a:r>
-            <a:r>
-              <a:rPr lang="ru-RU" sz="1400" dirty="0"/>
-              <a:t>Проект, связанный с разработкой, внедрением или поддержкой информационных систем или технологий</a:t>
-            </a:r>
-            <a:r>
-              <a:rPr lang="ru-RU" sz="1400" dirty="0" smtClean="0"/>
-              <a:t>.</a:t>
-            </a:r>
-            <a:endParaRPr lang="en-US" sz="1400" dirty="0" smtClean="0"/>
-          </a:p>
-          <a:p>
-            <a:r>
               <a:rPr lang="ru-RU" sz="1400" dirty="0"/>
               <a:t/>
             </a:r>
@@ -10708,16 +10618,86 @@
             </a:br>
             <a:r>
               <a:rPr lang="ru-RU" sz="1400" dirty="0" smtClean="0"/>
-              <a:t>Моделирование: </a:t>
+              <a:t>Нечеткие </a:t>
             </a:r>
             <a:r>
               <a:rPr lang="ru-RU" sz="1400" dirty="0"/>
-              <a:t>Процесс создания модели - упрощенного представления реального объекта или процесса с целью его исследования и оптимизации</a:t>
+              <a:t>когнитивные карты (</a:t>
+            </a:r>
+            <a:r>
+              <a:rPr lang="ru-RU" sz="1400" dirty="0" err="1"/>
+              <a:t>Fuzzy</a:t>
+            </a:r>
+            <a:r>
+              <a:rPr lang="ru-RU" sz="1400" dirty="0"/>
+              <a:t> </a:t>
+            </a:r>
+            <a:r>
+              <a:rPr lang="ru-RU" sz="1400" dirty="0" err="1"/>
+              <a:t>Cognitive</a:t>
+            </a:r>
+            <a:r>
+              <a:rPr lang="ru-RU" sz="1400" dirty="0"/>
+              <a:t> </a:t>
+            </a:r>
+            <a:r>
+              <a:rPr lang="ru-RU" sz="1400" dirty="0" err="1"/>
+              <a:t>Maps</a:t>
+            </a:r>
+            <a:r>
+              <a:rPr lang="ru-RU" sz="1400" dirty="0"/>
+              <a:t>, FCM</a:t>
+            </a:r>
+            <a:r>
+              <a:rPr lang="ru-RU" sz="1400" dirty="0" smtClean="0"/>
+              <a:t>): </a:t>
+            </a:r>
+            <a:r>
+              <a:rPr lang="ru-RU" sz="1400" dirty="0"/>
+              <a:t>Расширение обычных когнитивных карт, позволяющее представить информацию об отношениях между элементами системы в виде нечетких значений</a:t>
             </a:r>
             <a:r>
               <a:rPr lang="ru-RU" sz="1400" dirty="0" smtClean="0"/>
               <a:t>.</a:t>
             </a:r>
+            <a:r>
+              <a:rPr lang="ru-RU" sz="1400" dirty="0" smtClean="0"/>
+              <a:t/>
+            </a:r>
+            <a:br>
+              <a:rPr lang="ru-RU" sz="1400" dirty="0" smtClean="0"/>
+            </a:br>
+            <a:r>
+              <a:rPr lang="ru-RU" sz="1400" dirty="0"/>
+              <a:t/>
+            </a:r>
+            <a:br>
+              <a:rPr lang="ru-RU" sz="1400" dirty="0"/>
+            </a:br>
+            <a:r>
+              <a:rPr lang="ru-RU" sz="1400" dirty="0"/>
+              <a:t>Факторы успеха: Элементы или условия, которые способствуют успешной реализации проекта</a:t>
+            </a:r>
+            <a:r>
+              <a:rPr lang="ru-RU" sz="1400" dirty="0" smtClean="0"/>
+              <a:t>.</a:t>
+            </a:r>
+          </a:p>
+          <a:p>
+            <a:r>
+              <a:rPr lang="ru-RU" sz="1400" dirty="0"/>
+              <a:t>Риск-менеджмент: Процесс, включающий идентификацию, оценку и </a:t>
+            </a:r>
+            <a:r>
+              <a:rPr lang="ru-RU" sz="1400" dirty="0" err="1"/>
+              <a:t>приоритизацию</a:t>
+            </a:r>
+            <a:r>
+              <a:rPr lang="ru-RU" sz="1400" dirty="0"/>
+              <a:t> рисков (определенные как комбинации их вероятности и последствий) и последующую координацию и экономическую эффективность использования ресурсов для контроля вероятности и/или влияния неприемлемых событий.</a:t>
+            </a:r>
+          </a:p>
+          <a:p>
             <a:endParaRPr lang="ru-RU" sz="1400" dirty="0"/>
           </a:p>
         </p:txBody>
@@ -10727,7 +10707,7 @@
           <p:cNvPr id="5" name="Текст 4">
             <a:extLst>
               <a:ext uri="{FF2B5EF4-FFF2-40B4-BE49-F238E27FC236}">
-                <a16:creationId xmlns:a16="http://schemas.microsoft.com/office/drawing/2014/main" xmlns="" id="{3EB29DC1-D5D4-FB41-9E2D-AA4750D0CC8B}"/>
+                <a16:creationId xmlns="" xmlns:a16="http://schemas.microsoft.com/office/drawing/2014/main" id="{3EB29DC1-D5D4-FB41-9E2D-AA4750D0CC8B}"/>
               </a:ext>
             </a:extLst>
           </p:cNvPr>
@@ -10766,7 +10746,7 @@
           <p:cNvPr id="6" name="Текст 5">
             <a:extLst>
               <a:ext uri="{FF2B5EF4-FFF2-40B4-BE49-F238E27FC236}">
-                <a16:creationId xmlns:a16="http://schemas.microsoft.com/office/drawing/2014/main" xmlns="" id="{B5B6DD1A-BEFA-D842-9B7A-78D7BD1A5259}"/>
+                <a16:creationId xmlns="" xmlns:a16="http://schemas.microsoft.com/office/drawing/2014/main" id="{B5B6DD1A-BEFA-D842-9B7A-78D7BD1A5259}"/>
               </a:ext>
             </a:extLst>
           </p:cNvPr>
@@ -10791,7 +10771,6 @@
               <a:rPr lang="ru-RU" dirty="0"/>
               <a:t>Программа для моделирования восприятия факторов успеха IТ-проекта с использованием НКК</a:t>
             </a:r>
-            <a:endParaRPr lang="ru-RU" dirty="0"/>
           </a:p>
         </p:txBody>
       </p:sp>
@@ -10800,7 +10779,7 @@
           <p:cNvPr id="7" name="Текст 6">
             <a:extLst>
               <a:ext uri="{FF2B5EF4-FFF2-40B4-BE49-F238E27FC236}">
-                <a16:creationId xmlns:a16="http://schemas.microsoft.com/office/drawing/2014/main" xmlns="" id="{88968744-3B75-9B47-92FD-77E1E725F232}"/>
+                <a16:creationId xmlns="" xmlns:a16="http://schemas.microsoft.com/office/drawing/2014/main" id="{88968744-3B75-9B47-92FD-77E1E725F232}"/>
               </a:ext>
             </a:extLst>
           </p:cNvPr>
@@ -10827,350 +10806,50 @@
               <a:rPr lang="ru-RU" dirty="0"/>
               <a:t>Никита Сергеевич</a:t>
             </a:r>
-            <a:endParaRPr lang="ru-RU" dirty="0"/>
-          </a:p>
-        </p:txBody>
-      </p:sp>
-      <p:sp>
-        <p:nvSpPr>
-          <p:cNvPr id="9" name="Текст 3">
+          </a:p>
+        </p:txBody>
+      </p:sp>
+      <p:pic>
+        <p:nvPicPr>
+          <p:cNvPr id="2052" name="Picture 4" descr="Picture background"/>
+          <p:cNvPicPr>
+            <a:picLocks noChangeAspect="1" noChangeArrowheads="1"/>
+          </p:cNvPicPr>
+          <p:nvPr/>
+        </p:nvPicPr>
+        <p:blipFill>
+          <a:blip r:embed="rId2">
             <a:extLst>
-              <a:ext uri="{FF2B5EF4-FFF2-40B4-BE49-F238E27FC236}">
-                <a16:creationId xmlns:a16="http://schemas.microsoft.com/office/drawing/2014/main" xmlns="" id="{53356540-7218-FF4B-B6BC-5BD291A372E2}"/>
+              <a:ext uri="{28A0092B-C50C-407E-A947-70E740481C1C}">
+                <a14:useLocalDpi xmlns:a14="http://schemas.microsoft.com/office/drawing/2010/main" val="0"/>
               </a:ext>
             </a:extLst>
-          </p:cNvPr>
-          <p:cNvSpPr txBox="1">
-            <a:spLocks/>
-          </p:cNvSpPr>
-          <p:nvPr/>
-        </p:nvSpPr>
-        <p:spPr>
-          <a:xfrm>
-            <a:off x="5989319" y="2002536"/>
-            <a:ext cx="5403423" cy="4700016"/>
+          </a:blip>
+          <a:srcRect/>
+          <a:stretch>
+            <a:fillRect/>
+          </a:stretch>
+        </p:blipFill>
+        <p:spPr bwMode="auto">
+          <a:xfrm>
+            <a:off x="330973" y="2224815"/>
+            <a:ext cx="5429082" cy="3393176"/>
           </a:xfrm>
           <a:prstGeom prst="rect">
             <a:avLst/>
           </a:prstGeom>
-        </p:spPr>
-        <p:txBody>
-          <a:bodyPr vert="horz" lIns="0" tIns="0" rIns="0" bIns="45720" rtlCol="0">
-            <a:normAutofit fontScale="92500" lnSpcReduction="20000"/>
-          </a:bodyPr>
-          <a:lstStyle>
-            <a:lvl1pPr marL="0" marR="0" indent="0" algn="l" defTabSz="914400" rtl="0" eaLnBrk="1" fontAlgn="auto" latinLnBrk="0" hangingPunct="1">
-              <a:lnSpc>
-                <a:spcPct val="100000"/>
-              </a:lnSpc>
-              <a:spcBef>
-                <a:spcPts val="1000"/>
-              </a:spcBef>
-              <a:spcAft>
-                <a:spcPts val="0"/>
-              </a:spcAft>
-              <a:buClrTx/>
-              <a:buSzTx/>
-              <a:buFont typeface="Arial" panose="020B0604020202020204" pitchFamily="34" charset="0"/>
-              <a:buNone/>
-              <a:tabLst/>
-              <a:defRPr sz="1300" b="0" i="0" kern="1200">
-                <a:solidFill>
-                  <a:srgbClr val="0E2D69"/>
-                </a:solidFill>
-                <a:latin typeface="HSE Sans" panose="02000000000000000000" pitchFamily="2" charset="0"/>
-                <a:ea typeface="+mn-ea"/>
-                <a:cs typeface="+mn-cs"/>
-              </a:defRPr>
-            </a:lvl1pPr>
-            <a:lvl2pPr marL="457200" indent="0" algn="l" defTabSz="914400" rtl="0" eaLnBrk="1" latinLnBrk="0" hangingPunct="1">
-              <a:lnSpc>
-                <a:spcPct val="100000"/>
-              </a:lnSpc>
-              <a:spcBef>
-                <a:spcPts val="1000"/>
-              </a:spcBef>
-              <a:buFont typeface="Arial" panose="020B0604020202020204" pitchFamily="34" charset="0"/>
-              <a:buNone/>
-              <a:defRPr sz="1300" b="0" i="0" kern="1200">
-                <a:solidFill>
-                  <a:srgbClr val="0E2D69"/>
-                </a:solidFill>
-                <a:latin typeface="HSE Sans" panose="02000000000000000000" pitchFamily="2" charset="0"/>
-                <a:ea typeface="+mn-ea"/>
-                <a:cs typeface="+mn-cs"/>
-              </a:defRPr>
-            </a:lvl2pPr>
-            <a:lvl3pPr marL="914400" indent="0" algn="l" defTabSz="914400" rtl="0" eaLnBrk="1" latinLnBrk="0" hangingPunct="1">
-              <a:lnSpc>
-                <a:spcPct val="100000"/>
-              </a:lnSpc>
-              <a:spcBef>
-                <a:spcPts val="1000"/>
-              </a:spcBef>
-              <a:buFont typeface="Arial" panose="020B0604020202020204" pitchFamily="34" charset="0"/>
-              <a:buNone/>
-              <a:defRPr sz="1300" b="0" i="0" kern="1200">
-                <a:solidFill>
-                  <a:srgbClr val="0E2D69"/>
-                </a:solidFill>
-                <a:latin typeface="HSE Sans" panose="02000000000000000000" pitchFamily="2" charset="0"/>
-                <a:ea typeface="+mn-ea"/>
-                <a:cs typeface="+mn-cs"/>
-              </a:defRPr>
-            </a:lvl3pPr>
-            <a:lvl4pPr marL="1371600" indent="0" algn="l" defTabSz="914400" rtl="0" eaLnBrk="1" latinLnBrk="0" hangingPunct="1">
-              <a:lnSpc>
-                <a:spcPct val="100000"/>
-              </a:lnSpc>
-              <a:spcBef>
-                <a:spcPts val="1000"/>
-              </a:spcBef>
-              <a:buFont typeface="Arial" panose="020B0604020202020204" pitchFamily="34" charset="0"/>
-              <a:buNone/>
-              <a:defRPr sz="1300" b="0" i="0" kern="1200">
-                <a:solidFill>
-                  <a:srgbClr val="0E2D69"/>
-                </a:solidFill>
-                <a:latin typeface="HSE Sans" panose="02000000000000000000" pitchFamily="2" charset="0"/>
-                <a:ea typeface="+mn-ea"/>
-                <a:cs typeface="+mn-cs"/>
-              </a:defRPr>
-            </a:lvl4pPr>
-            <a:lvl5pPr marL="1828800" indent="0" algn="l" defTabSz="914400" rtl="0" eaLnBrk="1" latinLnBrk="0" hangingPunct="1">
-              <a:lnSpc>
-                <a:spcPct val="100000"/>
-              </a:lnSpc>
-              <a:spcBef>
-                <a:spcPts val="1000"/>
-              </a:spcBef>
-              <a:buFont typeface="Arial" panose="020B0604020202020204" pitchFamily="34" charset="0"/>
-              <a:buNone/>
-              <a:defRPr sz="1300" b="0" i="0" kern="1200">
-                <a:solidFill>
-                  <a:srgbClr val="0E2D69"/>
-                </a:solidFill>
-                <a:latin typeface="HSE Sans" panose="02000000000000000000" pitchFamily="2" charset="0"/>
-                <a:ea typeface="+mn-ea"/>
-                <a:cs typeface="+mn-cs"/>
-              </a:defRPr>
-            </a:lvl5pPr>
-            <a:lvl6pPr marL="2514600" indent="-228600" algn="l" defTabSz="914400" rtl="0" eaLnBrk="1" latinLnBrk="0" hangingPunct="1">
-              <a:lnSpc>
-                <a:spcPct val="90000"/>
-              </a:lnSpc>
-              <a:spcBef>
-                <a:spcPts val="500"/>
-              </a:spcBef>
-              <a:buFont typeface="Arial" panose="020B0604020202020204" pitchFamily="34" charset="0"/>
-              <a:buChar char="•"/>
-              <a:defRPr sz="1800" kern="1200">
-                <a:solidFill>
-                  <a:schemeClr val="tx1"/>
-                </a:solidFill>
-                <a:latin typeface="+mn-lt"/>
-                <a:ea typeface="+mn-ea"/>
-                <a:cs typeface="+mn-cs"/>
-              </a:defRPr>
-            </a:lvl6pPr>
-            <a:lvl7pPr marL="2971800" indent="-228600" algn="l" defTabSz="914400" rtl="0" eaLnBrk="1" latinLnBrk="0" hangingPunct="1">
-              <a:lnSpc>
-                <a:spcPct val="90000"/>
-              </a:lnSpc>
-              <a:spcBef>
-                <a:spcPts val="500"/>
-              </a:spcBef>
-              <a:buFont typeface="Arial" panose="020B0604020202020204" pitchFamily="34" charset="0"/>
-              <a:buChar char="•"/>
-              <a:defRPr sz="1800" kern="1200">
-                <a:solidFill>
-                  <a:schemeClr val="tx1"/>
-                </a:solidFill>
-                <a:latin typeface="+mn-lt"/>
-                <a:ea typeface="+mn-ea"/>
-                <a:cs typeface="+mn-cs"/>
-              </a:defRPr>
-            </a:lvl7pPr>
-            <a:lvl8pPr marL="3429000" indent="-228600" algn="l" defTabSz="914400" rtl="0" eaLnBrk="1" latinLnBrk="0" hangingPunct="1">
-              <a:lnSpc>
-                <a:spcPct val="90000"/>
-              </a:lnSpc>
-              <a:spcBef>
-                <a:spcPts val="500"/>
-              </a:spcBef>
-              <a:buFont typeface="Arial" panose="020B0604020202020204" pitchFamily="34" charset="0"/>
-              <a:buChar char="•"/>
-              <a:defRPr sz="1800" kern="1200">
-                <a:solidFill>
-                  <a:schemeClr val="tx1"/>
-                </a:solidFill>
-                <a:latin typeface="+mn-lt"/>
-                <a:ea typeface="+mn-ea"/>
-                <a:cs typeface="+mn-cs"/>
-              </a:defRPr>
-            </a:lvl8pPr>
-            <a:lvl9pPr marL="3886200" indent="-228600" algn="l" defTabSz="914400" rtl="0" eaLnBrk="1" latinLnBrk="0" hangingPunct="1">
-              <a:lnSpc>
-                <a:spcPct val="90000"/>
-              </a:lnSpc>
-              <a:spcBef>
-                <a:spcPts val="500"/>
-              </a:spcBef>
-              <a:buFont typeface="Arial" panose="020B0604020202020204" pitchFamily="34" charset="0"/>
-              <a:buChar char="•"/>
-              <a:defRPr sz="1800" kern="1200">
-                <a:solidFill>
-                  <a:schemeClr val="tx1"/>
-                </a:solidFill>
-                <a:latin typeface="+mn-lt"/>
-                <a:ea typeface="+mn-ea"/>
-                <a:cs typeface="+mn-cs"/>
-              </a:defRPr>
-            </a:lvl9pPr>
-          </a:lstStyle>
-          <a:p>
-            <a:r>
-              <a:rPr lang="ru-RU" sz="1400" dirty="0" smtClean="0"/>
-              <a:t>Факторы успеха: </a:t>
-            </a:r>
-            <a:r>
-              <a:rPr lang="ru-RU" sz="1400" dirty="0"/>
-              <a:t>Элементы или условия, которые способствуют успешной реализации проекта</a:t>
-            </a:r>
-            <a:r>
-              <a:rPr lang="ru-RU" sz="1400" dirty="0" smtClean="0"/>
-              <a:t>.</a:t>
-            </a:r>
-            <a:endParaRPr lang="en-US" sz="1400" dirty="0" smtClean="0"/>
-          </a:p>
-          <a:p>
-            <a:r>
-              <a:rPr lang="ru-RU" sz="1400" dirty="0"/>
-              <a:t/>
-            </a:r>
-            <a:br>
-              <a:rPr lang="ru-RU" sz="1400" dirty="0"/>
-            </a:br>
-            <a:r>
-              <a:rPr lang="ru-RU" sz="1400" dirty="0" smtClean="0"/>
-              <a:t>Методы анализа: </a:t>
-            </a:r>
-            <a:r>
-              <a:rPr lang="ru-RU" sz="1400" dirty="0"/>
-              <a:t>Статистические и математические инструменты, используемые для изучения и распределения данных</a:t>
-            </a:r>
-            <a:r>
-              <a:rPr lang="ru-RU" sz="1400" dirty="0" smtClean="0"/>
-              <a:t>.</a:t>
-            </a:r>
-            <a:endParaRPr lang="en-US" sz="1400" dirty="0" smtClean="0"/>
-          </a:p>
-          <a:p>
-            <a:r>
-              <a:rPr lang="ru-RU" sz="1400" dirty="0"/>
-              <a:t/>
-            </a:r>
-            <a:br>
-              <a:rPr lang="ru-RU" sz="1400" dirty="0"/>
-            </a:br>
-            <a:r>
-              <a:rPr lang="ru-RU" sz="1400" dirty="0" smtClean="0"/>
-              <a:t>Алгоритмы: </a:t>
-            </a:r>
-            <a:r>
-              <a:rPr lang="ru-RU" sz="1400" dirty="0"/>
-              <a:t>Указания или набор правил, которые следует выполнить в определенном порядке для достижения конкретного результата</a:t>
-            </a:r>
-            <a:r>
-              <a:rPr lang="ru-RU" sz="1400" dirty="0" smtClean="0"/>
-              <a:t>.</a:t>
-            </a:r>
-            <a:endParaRPr lang="en-US" sz="1400" dirty="0" smtClean="0"/>
-          </a:p>
-          <a:p>
-            <a:r>
-              <a:rPr lang="ru-RU" sz="1400" dirty="0"/>
-              <a:t/>
-            </a:r>
-            <a:br>
-              <a:rPr lang="ru-RU" sz="1400" dirty="0"/>
-            </a:br>
-            <a:r>
-              <a:rPr lang="ru-RU" sz="1400" dirty="0" smtClean="0"/>
-              <a:t>Прогнозирование: </a:t>
-            </a:r>
-            <a:r>
-              <a:rPr lang="ru-RU" sz="1400" dirty="0"/>
-              <a:t>Использование статистических и математических методов для предсказания будущих показателей на основе определенного набора данных</a:t>
-            </a:r>
-            <a:r>
-              <a:rPr lang="ru-RU" sz="1400" dirty="0" smtClean="0"/>
-              <a:t>.</a:t>
-            </a:r>
-            <a:endParaRPr lang="en-US" sz="1400" dirty="0" smtClean="0"/>
-          </a:p>
-          <a:p>
-            <a:r>
-              <a:rPr lang="ru-RU" sz="1400" dirty="0"/>
-              <a:t/>
-            </a:r>
-            <a:br>
-              <a:rPr lang="ru-RU" sz="1400" dirty="0"/>
-            </a:br>
-            <a:r>
-              <a:rPr lang="ru-RU" sz="1400" dirty="0" smtClean="0"/>
-              <a:t>Данные </a:t>
-            </a:r>
-            <a:r>
-              <a:rPr lang="ru-RU" sz="1400" dirty="0"/>
-              <a:t>о </a:t>
-            </a:r>
-            <a:r>
-              <a:rPr lang="ru-RU" sz="1400" dirty="0" smtClean="0"/>
-              <a:t>проекте: </a:t>
-            </a:r>
-            <a:r>
-              <a:rPr lang="ru-RU" sz="1400" dirty="0"/>
-              <a:t>Информация, собранная в процессе выполнения проекта, которая используется для анализа и прогнозирования</a:t>
-            </a:r>
-            <a:r>
-              <a:rPr lang="ru-RU" sz="1400" dirty="0" smtClean="0"/>
-              <a:t>.</a:t>
-            </a:r>
-            <a:endParaRPr lang="en-US" sz="1400" dirty="0" smtClean="0"/>
-          </a:p>
-          <a:p>
-            <a:r>
-              <a:rPr lang="ru-RU" sz="1400" dirty="0"/>
-              <a:t/>
-            </a:r>
-            <a:br>
-              <a:rPr lang="ru-RU" sz="1400" dirty="0"/>
-            </a:br>
-            <a:r>
-              <a:rPr lang="ru-RU" sz="1400" dirty="0" smtClean="0"/>
-              <a:t>Риск-менеджмент: </a:t>
-            </a:r>
-            <a:r>
-              <a:rPr lang="ru-RU" sz="1400" dirty="0"/>
-              <a:t>Процесс, включающий идентификацию, оценку и </a:t>
-            </a:r>
-            <a:r>
-              <a:rPr lang="ru-RU" sz="1400" dirty="0" err="1"/>
-              <a:t>приоритизацию</a:t>
-            </a:r>
-            <a:r>
-              <a:rPr lang="ru-RU" sz="1400" dirty="0"/>
-              <a:t> рисков (определенные как комбинации их вероятности и последствий) и последующую координацию и экономическую эффективность использования ресурсов для контроля вероятности и/или влияния неприемлемых событий</a:t>
-            </a:r>
-            <a:r>
-              <a:rPr lang="ru-RU" sz="1400" dirty="0" smtClean="0"/>
-              <a:t>.</a:t>
-            </a:r>
-            <a:endParaRPr lang="ru-RU" sz="1400" dirty="0"/>
-          </a:p>
-        </p:txBody>
-      </p:sp>
+          <a:noFill/>
+          <a:extLst>
+            <a:ext uri="{909E8E84-426E-40DD-AFC4-6F175D3DCCD1}">
+              <a14:hiddenFill xmlns:a14="http://schemas.microsoft.com/office/drawing/2010/main">
+                <a:solidFill>
+                  <a:srgbClr val="FFFFFF"/>
+                </a:solidFill>
+              </a14:hiddenFill>
+            </a:ext>
+          </a:extLst>
+        </p:spPr>
+      </p:pic>
     </p:spTree>
     <p:extLst>
       <p:ext uri="{BB962C8B-B14F-4D97-AF65-F5344CB8AC3E}">
@@ -11206,7 +10885,7 @@
           <p:cNvPr id="3" name="Заголовок 2">
             <a:extLst>
               <a:ext uri="{FF2B5EF4-FFF2-40B4-BE49-F238E27FC236}">
-                <a16:creationId xmlns:a16="http://schemas.microsoft.com/office/drawing/2014/main" xmlns="" id="{E2EAF03B-EC26-1D47-94AC-C75942861D6C}"/>
+                <a16:creationId xmlns="" xmlns:a16="http://schemas.microsoft.com/office/drawing/2014/main" id="{E2EAF03B-EC26-1D47-94AC-C75942861D6C}"/>
               </a:ext>
             </a:extLst>
           </p:cNvPr>
@@ -11245,7 +10924,7 @@
           <p:cNvPr id="5" name="Текст 4">
             <a:extLst>
               <a:ext uri="{FF2B5EF4-FFF2-40B4-BE49-F238E27FC236}">
-                <a16:creationId xmlns:a16="http://schemas.microsoft.com/office/drawing/2014/main" xmlns="" id="{3EB29DC1-D5D4-FB41-9E2D-AA4750D0CC8B}"/>
+                <a16:creationId xmlns="" xmlns:a16="http://schemas.microsoft.com/office/drawing/2014/main" id="{3EB29DC1-D5D4-FB41-9E2D-AA4750D0CC8B}"/>
               </a:ext>
             </a:extLst>
           </p:cNvPr>
@@ -11284,7 +10963,7 @@
           <p:cNvPr id="9" name="Текст 5">
             <a:extLst>
               <a:ext uri="{FF2B5EF4-FFF2-40B4-BE49-F238E27FC236}">
-                <a16:creationId xmlns:a16="http://schemas.microsoft.com/office/drawing/2014/main" xmlns="" id="{B5B6DD1A-BEFA-D842-9B7A-78D7BD1A5259}"/>
+                <a16:creationId xmlns="" xmlns:a16="http://schemas.microsoft.com/office/drawing/2014/main" id="{B5B6DD1A-BEFA-D842-9B7A-78D7BD1A5259}"/>
               </a:ext>
             </a:extLst>
           </p:cNvPr>
@@ -11309,7 +10988,6 @@
               <a:rPr lang="ru-RU" dirty="0"/>
               <a:t>Программа для моделирования восприятия факторов успеха IТ-проекта с использованием НКК</a:t>
             </a:r>
-            <a:endParaRPr lang="ru-RU" dirty="0"/>
           </a:p>
         </p:txBody>
       </p:sp>
@@ -11318,7 +10996,7 @@
           <p:cNvPr id="11" name="Текст 6">
             <a:extLst>
               <a:ext uri="{FF2B5EF4-FFF2-40B4-BE49-F238E27FC236}">
-                <a16:creationId xmlns:a16="http://schemas.microsoft.com/office/drawing/2014/main" xmlns="" id="{88968744-3B75-9B47-92FD-77E1E725F232}"/>
+                <a16:creationId xmlns="" xmlns:a16="http://schemas.microsoft.com/office/drawing/2014/main" id="{88968744-3B75-9B47-92FD-77E1E725F232}"/>
               </a:ext>
             </a:extLst>
           </p:cNvPr>
@@ -11350,7 +11028,6 @@
               <a:rPr lang="ru-RU" dirty="0"/>
               <a:t>Никита Сергеевич</a:t>
             </a:r>
-            <a:endParaRPr lang="ru-RU" dirty="0"/>
           </a:p>
         </p:txBody>
       </p:sp>
@@ -11366,8 +11043,8 @@
         </p:nvSpPr>
         <p:spPr>
           <a:xfrm>
-            <a:off x="585897" y="1929384"/>
-            <a:ext cx="5245561" cy="4370832"/>
+            <a:off x="585897" y="2487168"/>
+            <a:ext cx="5245561" cy="3813048"/>
           </a:xfrm>
         </p:spPr>
         <p:txBody>
@@ -11388,60 +11065,12 @@
           <a:p>
             <a:r>
               <a:rPr lang="ru-RU" sz="1600" dirty="0"/>
-              <a:t>В последние годы они вновь привлекают внимание исследователей, подобно тому как нейронные сети после своего «забвения» в 90-х годах 20-го века, сейчас снова переживают свой пик популярности.</a:t>
-            </a:r>
-          </a:p>
-          <a:p>
-            <a:r>
-              <a:rPr lang="ru-RU" sz="1600" dirty="0"/>
-              <a:t>В статье </a:t>
+              <a:t>В последние годы они вновь привлекают внимание исследователей, подобно тому как нейронные сети после своего «забвения» в 90-х годах 20-го века, сейчас снова переживают свой пик популярности</a:t>
             </a:r>
             <a:r>
               <a:rPr lang="ru-RU" sz="1600" dirty="0" smtClean="0"/>
-              <a:t>"</a:t>
-            </a:r>
-            <a:r>
-              <a:rPr lang="en-US" sz="1600" dirty="0" smtClean="0"/>
-              <a:t>Assessing </a:t>
-            </a:r>
-            <a:r>
-              <a:rPr lang="en-US" sz="1600" dirty="0"/>
-              <a:t>it projects success with extended fuzzy cognitive maps </a:t>
-            </a:r>
-            <a:r>
-              <a:rPr lang="en-US" sz="1600" dirty="0" smtClean="0"/>
-              <a:t>&amp; </a:t>
-            </a:r>
-            <a:r>
-              <a:rPr lang="en-US" sz="1600" dirty="0" err="1"/>
-              <a:t>neutrosophic</a:t>
-            </a:r>
-            <a:r>
-              <a:rPr lang="en-US" sz="1600" dirty="0"/>
-              <a:t> cognitive maps in comparison to fuzzy cognitive maps</a:t>
-            </a:r>
-            <a:r>
-              <a:rPr lang="en-US" sz="1600" dirty="0" smtClean="0"/>
-              <a:t>" </a:t>
-            </a:r>
-            <a:r>
-              <a:rPr lang="ru-RU" sz="1600" dirty="0" smtClean="0"/>
-              <a:t>представлено </a:t>
-            </a:r>
-            <a:r>
-              <a:rPr lang="ru-RU" sz="1600" dirty="0"/>
-              <a:t>исследование, в котором авторы сравнивают применение расширенных нечетких когнитивных карт и </a:t>
-            </a:r>
-            <a:r>
-              <a:rPr lang="ru-RU" sz="1600" dirty="0" err="1"/>
-              <a:t>нейтрософских</a:t>
-            </a:r>
-            <a:r>
-              <a:rPr lang="ru-RU" sz="1600" dirty="0"/>
-              <a:t> когнитивных карт в оценке успеха проекта мобильной платежной системы.</a:t>
-            </a:r>
-          </a:p>
-          <a:p>
+              <a:t>.</a:t>
+            </a:r>
             <a:endParaRPr lang="ru-RU" sz="1600" dirty="0"/>
           </a:p>
         </p:txBody>
@@ -11637,7 +11266,7 @@
           <p:cNvPr id="3" name="Заголовок 2">
             <a:extLst>
               <a:ext uri="{FF2B5EF4-FFF2-40B4-BE49-F238E27FC236}">
-                <a16:creationId xmlns:a16="http://schemas.microsoft.com/office/drawing/2014/main" xmlns="" id="{E2EAF03B-EC26-1D47-94AC-C75942861D6C}"/>
+                <a16:creationId xmlns="" xmlns:a16="http://schemas.microsoft.com/office/drawing/2014/main" id="{E2EAF03B-EC26-1D47-94AC-C75942861D6C}"/>
               </a:ext>
             </a:extLst>
           </p:cNvPr>
@@ -11650,7 +11279,7 @@
         </p:nvSpPr>
         <p:spPr>
           <a:xfrm>
-            <a:off x="585897" y="1447790"/>
+            <a:off x="585896" y="1255977"/>
             <a:ext cx="11156159" cy="777025"/>
           </a:xfrm>
         </p:spPr>
@@ -11666,7 +11295,7 @@
                   <a:srgbClr val="0E2D69"/>
                 </a:solidFill>
               </a:rPr>
-              <a:t>Цель и задачи ВКР</a:t>
+              <a:t>Анализ существующих решений</a:t>
             </a:r>
           </a:p>
         </p:txBody>
@@ -11676,7 +11305,7 @@
           <p:cNvPr id="5" name="Текст 4">
             <a:extLst>
               <a:ext uri="{FF2B5EF4-FFF2-40B4-BE49-F238E27FC236}">
-                <a16:creationId xmlns:a16="http://schemas.microsoft.com/office/drawing/2014/main" xmlns="" id="{3EB29DC1-D5D4-FB41-9E2D-AA4750D0CC8B}"/>
+                <a16:creationId xmlns="" xmlns:a16="http://schemas.microsoft.com/office/drawing/2014/main" id="{3EB29DC1-D5D4-FB41-9E2D-AA4750D0CC8B}"/>
               </a:ext>
             </a:extLst>
           </p:cNvPr>
@@ -11712,10 +11341,10 @@
       </p:sp>
       <p:sp>
         <p:nvSpPr>
-          <p:cNvPr id="8" name="Текст 5">
+          <p:cNvPr id="11" name="Текст 5">
             <a:extLst>
               <a:ext uri="{FF2B5EF4-FFF2-40B4-BE49-F238E27FC236}">
-                <a16:creationId xmlns:a16="http://schemas.microsoft.com/office/drawing/2014/main" xmlns="" id="{B5B6DD1A-BEFA-D842-9B7A-78D7BD1A5259}"/>
+                <a16:creationId xmlns="" xmlns:a16="http://schemas.microsoft.com/office/drawing/2014/main" id="{B5B6DD1A-BEFA-D842-9B7A-78D7BD1A5259}"/>
               </a:ext>
             </a:extLst>
           </p:cNvPr>
@@ -11740,16 +11369,15 @@
               <a:rPr lang="ru-RU" dirty="0"/>
               <a:t>Программа для моделирования восприятия факторов успеха IТ-проекта с использованием НКК</a:t>
             </a:r>
-            <a:endParaRPr lang="ru-RU" dirty="0"/>
-          </a:p>
-        </p:txBody>
-      </p:sp>
-      <p:sp>
-        <p:nvSpPr>
-          <p:cNvPr id="10" name="Текст 6">
+          </a:p>
+        </p:txBody>
+      </p:sp>
+      <p:sp>
+        <p:nvSpPr>
+          <p:cNvPr id="13" name="Текст 6">
             <a:extLst>
               <a:ext uri="{FF2B5EF4-FFF2-40B4-BE49-F238E27FC236}">
-                <a16:creationId xmlns:a16="http://schemas.microsoft.com/office/drawing/2014/main" xmlns="" id="{88968744-3B75-9B47-92FD-77E1E725F232}"/>
+                <a16:creationId xmlns="" xmlns:a16="http://schemas.microsoft.com/office/drawing/2014/main" id="{88968744-3B75-9B47-92FD-77E1E725F232}"/>
               </a:ext>
             </a:extLst>
           </p:cNvPr>
@@ -11781,536 +11409,6 @@
               <a:rPr lang="ru-RU" dirty="0"/>
               <a:t>Никита Сергеевич</a:t>
             </a:r>
-            <a:endParaRPr lang="ru-RU" dirty="0"/>
-          </a:p>
-        </p:txBody>
-      </p:sp>
-      <p:sp>
-        <p:nvSpPr>
-          <p:cNvPr id="2" name="Текст 1"/>
-          <p:cNvSpPr>
-            <a:spLocks noGrp="1"/>
-          </p:cNvSpPr>
-          <p:nvPr>
-            <p:ph type="body" sz="quarter" idx="12"/>
-          </p:nvPr>
-        </p:nvSpPr>
-        <p:spPr>
-          <a:xfrm>
-            <a:off x="585897" y="2084832"/>
-            <a:ext cx="11026983" cy="4288536"/>
-          </a:xfrm>
-        </p:spPr>
-        <p:txBody>
-          <a:bodyPr>
-            <a:normAutofit/>
-          </a:bodyPr>
-          <a:lstStyle/>
-          <a:p>
-            <a:pPr lvl="0">
-              <a:lnSpc>
-                <a:spcPct val="90000"/>
-              </a:lnSpc>
-              <a:spcBef>
-                <a:spcPts val="0"/>
-              </a:spcBef>
-              <a:buSzPts val="2100"/>
-            </a:pPr>
-            <a:r>
-              <a:rPr lang="ru-RU" sz="1800" b="1" dirty="0">
-                <a:solidFill>
-                  <a:srgbClr val="0F2C68"/>
-                </a:solidFill>
-                <a:latin typeface="Roboto"/>
-                <a:ea typeface="Roboto"/>
-                <a:cs typeface="Roboto"/>
-                <a:sym typeface="Roboto"/>
-              </a:rPr>
-              <a:t>Цель работы:</a:t>
-            </a:r>
-            <a:r>
-              <a:rPr lang="ru-RU" sz="1800" dirty="0">
-                <a:solidFill>
-                  <a:srgbClr val="0F2C68"/>
-                </a:solidFill>
-                <a:latin typeface="Roboto"/>
-                <a:ea typeface="Roboto"/>
-                <a:cs typeface="Roboto"/>
-                <a:sym typeface="Roboto"/>
-              </a:rPr>
-              <a:t> Разработка программы для моделирования восприятия факторов успеха ИТ-проекта с использованием нечетких когнитивных карт.</a:t>
-            </a:r>
-          </a:p>
-          <a:p>
-            <a:pPr lvl="0">
-              <a:lnSpc>
-                <a:spcPct val="115000"/>
-              </a:lnSpc>
-              <a:spcBef>
-                <a:spcPts val="1900"/>
-              </a:spcBef>
-              <a:buSzPts val="1100"/>
-            </a:pPr>
-            <a:r>
-              <a:rPr lang="ru-RU" sz="1800" b="1" dirty="0">
-                <a:solidFill>
-                  <a:srgbClr val="0F2C68"/>
-                </a:solidFill>
-                <a:latin typeface="Roboto"/>
-                <a:ea typeface="Roboto"/>
-                <a:cs typeface="Roboto"/>
-                <a:sym typeface="Roboto"/>
-              </a:rPr>
-              <a:t>Задачи:</a:t>
-            </a:r>
-          </a:p>
-          <a:p>
-            <a:pPr marL="457200" lvl="0" indent="-323850">
-              <a:lnSpc>
-                <a:spcPct val="115000"/>
-              </a:lnSpc>
-              <a:spcBef>
-                <a:spcPts val="1900"/>
-              </a:spcBef>
-              <a:buClr>
-                <a:srgbClr val="0F2C68"/>
-              </a:buClr>
-              <a:buSzPts val="1500"/>
-              <a:buFont typeface="Roboto"/>
-              <a:buAutoNum type="arabicPeriod"/>
-            </a:pPr>
-            <a:r>
-              <a:rPr lang="ru-RU" sz="1800" dirty="0">
-                <a:solidFill>
-                  <a:srgbClr val="0F2C68"/>
-                </a:solidFill>
-                <a:latin typeface="Roboto"/>
-                <a:ea typeface="Roboto"/>
-                <a:cs typeface="Roboto"/>
-                <a:sym typeface="Roboto"/>
-              </a:rPr>
-              <a:t>Обзор литературы и анализ существующих методов оценки успеха ИТ-проектов</a:t>
-            </a:r>
-          </a:p>
-          <a:p>
-            <a:pPr marL="457200" lvl="0" indent="-323850">
-              <a:lnSpc>
-                <a:spcPct val="115000"/>
-              </a:lnSpc>
-              <a:spcBef>
-                <a:spcPts val="0"/>
-              </a:spcBef>
-              <a:buClr>
-                <a:srgbClr val="0F2C68"/>
-              </a:buClr>
-              <a:buSzPts val="1500"/>
-              <a:buFont typeface="Roboto"/>
-              <a:buAutoNum type="arabicPeriod"/>
-            </a:pPr>
-            <a:r>
-              <a:rPr lang="ru-RU" sz="1800" dirty="0">
-                <a:solidFill>
-                  <a:srgbClr val="0F2C68"/>
-                </a:solidFill>
-                <a:latin typeface="Roboto"/>
-                <a:ea typeface="Roboto"/>
-                <a:cs typeface="Roboto"/>
-                <a:sym typeface="Roboto"/>
-              </a:rPr>
-              <a:t>Изучение теории нечетких когнитивных карт</a:t>
-            </a:r>
-          </a:p>
-          <a:p>
-            <a:pPr marL="457200" lvl="0" indent="-323850">
-              <a:lnSpc>
-                <a:spcPct val="115000"/>
-              </a:lnSpc>
-              <a:spcBef>
-                <a:spcPts val="0"/>
-              </a:spcBef>
-              <a:buClr>
-                <a:srgbClr val="0F2C68"/>
-              </a:buClr>
-              <a:buSzPts val="1500"/>
-              <a:buFont typeface="Roboto"/>
-              <a:buAutoNum type="arabicPeriod"/>
-            </a:pPr>
-            <a:r>
-              <a:rPr lang="ru-RU" sz="1800" dirty="0">
-                <a:solidFill>
-                  <a:srgbClr val="0F2C68"/>
-                </a:solidFill>
-                <a:latin typeface="Roboto"/>
-                <a:ea typeface="Roboto"/>
-                <a:cs typeface="Roboto"/>
-                <a:sym typeface="Roboto"/>
-              </a:rPr>
-              <a:t>Разработка методологии моделирования восприятия факторов успеха ИТ-проекта</a:t>
-            </a:r>
-          </a:p>
-          <a:p>
-            <a:pPr marL="457200" lvl="0" indent="-323850">
-              <a:lnSpc>
-                <a:spcPct val="115000"/>
-              </a:lnSpc>
-              <a:spcBef>
-                <a:spcPts val="0"/>
-              </a:spcBef>
-              <a:buClr>
-                <a:srgbClr val="0F2C68"/>
-              </a:buClr>
-              <a:buSzPts val="1500"/>
-              <a:buFont typeface="Roboto"/>
-              <a:buAutoNum type="arabicPeriod"/>
-            </a:pPr>
-            <a:r>
-              <a:rPr lang="ru-RU" sz="1800" dirty="0">
-                <a:solidFill>
-                  <a:srgbClr val="0F2C68"/>
-                </a:solidFill>
-                <a:latin typeface="Roboto"/>
-                <a:ea typeface="Roboto"/>
-                <a:cs typeface="Roboto"/>
-                <a:sym typeface="Roboto"/>
-              </a:rPr>
-              <a:t>Проектирование программы для моделирования</a:t>
-            </a:r>
-          </a:p>
-          <a:p>
-            <a:pPr marL="457200" lvl="0" indent="-323850">
-              <a:lnSpc>
-                <a:spcPct val="115000"/>
-              </a:lnSpc>
-              <a:spcBef>
-                <a:spcPts val="0"/>
-              </a:spcBef>
-              <a:buClr>
-                <a:srgbClr val="0F2C68"/>
-              </a:buClr>
-              <a:buSzPts val="1500"/>
-              <a:buFont typeface="Roboto"/>
-              <a:buAutoNum type="arabicPeriod"/>
-            </a:pPr>
-            <a:r>
-              <a:rPr lang="ru-RU" sz="1800" dirty="0">
-                <a:solidFill>
-                  <a:srgbClr val="0F2C68"/>
-                </a:solidFill>
-                <a:latin typeface="Roboto"/>
-                <a:ea typeface="Roboto"/>
-                <a:cs typeface="Roboto"/>
-                <a:sym typeface="Roboto"/>
-              </a:rPr>
-              <a:t>Реализация программы</a:t>
-            </a:r>
-          </a:p>
-          <a:p>
-            <a:pPr marL="457200" lvl="0" indent="-323850">
-              <a:lnSpc>
-                <a:spcPct val="115000"/>
-              </a:lnSpc>
-              <a:spcBef>
-                <a:spcPts val="0"/>
-              </a:spcBef>
-              <a:buClr>
-                <a:srgbClr val="0F2C68"/>
-              </a:buClr>
-              <a:buSzPts val="1500"/>
-              <a:buFont typeface="Roboto"/>
-              <a:buAutoNum type="arabicPeriod"/>
-            </a:pPr>
-            <a:r>
-              <a:rPr lang="ru-RU" sz="1800" dirty="0">
-                <a:solidFill>
-                  <a:srgbClr val="0F2C68"/>
-                </a:solidFill>
-                <a:latin typeface="Roboto"/>
-                <a:ea typeface="Roboto"/>
-                <a:cs typeface="Roboto"/>
-                <a:sym typeface="Roboto"/>
-              </a:rPr>
-              <a:t>Тестирование и </a:t>
-            </a:r>
-            <a:r>
-              <a:rPr lang="ru-RU" sz="1800" dirty="0" err="1">
-                <a:solidFill>
-                  <a:srgbClr val="0F2C68"/>
-                </a:solidFill>
-                <a:latin typeface="Roboto"/>
-                <a:ea typeface="Roboto"/>
-                <a:cs typeface="Roboto"/>
-                <a:sym typeface="Roboto"/>
-              </a:rPr>
-              <a:t>валидация</a:t>
-            </a:r>
-            <a:endParaRPr lang="ru-RU" sz="1800" dirty="0">
-              <a:solidFill>
-                <a:srgbClr val="0F2C68"/>
-              </a:solidFill>
-              <a:latin typeface="Roboto"/>
-              <a:ea typeface="Roboto"/>
-              <a:cs typeface="Roboto"/>
-              <a:sym typeface="Roboto"/>
-            </a:endParaRPr>
-          </a:p>
-          <a:p>
-            <a:pPr marL="457200" lvl="0" indent="-323850">
-              <a:lnSpc>
-                <a:spcPct val="115000"/>
-              </a:lnSpc>
-              <a:spcBef>
-                <a:spcPts val="0"/>
-              </a:spcBef>
-              <a:buClr>
-                <a:srgbClr val="0F2C68"/>
-              </a:buClr>
-              <a:buSzPts val="1500"/>
-              <a:buFont typeface="Roboto"/>
-              <a:buAutoNum type="arabicPeriod"/>
-            </a:pPr>
-            <a:r>
-              <a:rPr lang="ru-RU" sz="1800" dirty="0">
-                <a:solidFill>
-                  <a:srgbClr val="0F2C68"/>
-                </a:solidFill>
-                <a:latin typeface="Roboto"/>
-                <a:ea typeface="Roboto"/>
-                <a:cs typeface="Roboto"/>
-                <a:sym typeface="Roboto"/>
-              </a:rPr>
-              <a:t>Анализ результатов и выводы</a:t>
-            </a:r>
-          </a:p>
-          <a:p>
-            <a:pPr marL="457200" lvl="0" indent="-323850">
-              <a:lnSpc>
-                <a:spcPct val="115000"/>
-              </a:lnSpc>
-              <a:spcBef>
-                <a:spcPts val="0"/>
-              </a:spcBef>
-              <a:buClr>
-                <a:srgbClr val="0F2C68"/>
-              </a:buClr>
-              <a:buSzPts val="1500"/>
-              <a:buFont typeface="Roboto"/>
-              <a:buAutoNum type="arabicPeriod"/>
-            </a:pPr>
-            <a:r>
-              <a:rPr lang="ru-RU" sz="1800" dirty="0">
-                <a:solidFill>
-                  <a:srgbClr val="0F2C68"/>
-                </a:solidFill>
-                <a:latin typeface="Roboto"/>
-                <a:ea typeface="Roboto"/>
-                <a:cs typeface="Roboto"/>
-                <a:sym typeface="Roboto"/>
-              </a:rPr>
-              <a:t>Подготовка документации</a:t>
-            </a:r>
-          </a:p>
-          <a:p>
-            <a:pPr lvl="0">
-              <a:lnSpc>
-                <a:spcPct val="90000"/>
-              </a:lnSpc>
-              <a:spcBef>
-                <a:spcPts val="0"/>
-              </a:spcBef>
-              <a:buSzPts val="2100"/>
-            </a:pPr>
-            <a:endParaRPr lang="ru-RU" sz="1800" dirty="0">
-              <a:solidFill>
-                <a:srgbClr val="0F2C68"/>
-              </a:solidFill>
-              <a:latin typeface="Roboto"/>
-              <a:ea typeface="Roboto"/>
-              <a:cs typeface="Roboto"/>
-              <a:sym typeface="Roboto"/>
-            </a:endParaRPr>
-          </a:p>
-        </p:txBody>
-      </p:sp>
-    </p:spTree>
-    <p:extLst>
-      <p:ext uri="{BB962C8B-B14F-4D97-AF65-F5344CB8AC3E}">
-        <p14:creationId xmlns:p14="http://schemas.microsoft.com/office/powerpoint/2010/main" val="3181034569"/>
-      </p:ext>
-    </p:extLst>
-  </p:cSld>
-  <p:clrMapOvr>
-    <a:masterClrMapping/>
-  </p:clrMapOvr>
-</p:sld>
-</file>
-
-<file path=ppt/slides/slide6.xml><?xml version="1.0" encoding="utf-8"?>
-<p:sld xmlns:a="http://schemas.openxmlformats.org/drawingml/2006/main" xmlns:r="http://schemas.openxmlformats.org/officeDocument/2006/relationships" xmlns:p="http://schemas.openxmlformats.org/presentationml/2006/main">
-  <p:cSld>
-    <p:spTree>
-      <p:nvGrpSpPr>
-        <p:cNvPr id="1" name=""/>
-        <p:cNvGrpSpPr/>
-        <p:nvPr/>
-      </p:nvGrpSpPr>
-      <p:grpSpPr>
-        <a:xfrm>
-          <a:off x="0" y="0"/>
-          <a:ext cx="0" cy="0"/>
-          <a:chOff x="0" y="0"/>
-          <a:chExt cx="0" cy="0"/>
-        </a:xfrm>
-      </p:grpSpPr>
-      <p:sp>
-        <p:nvSpPr>
-          <p:cNvPr id="3" name="Заголовок 2">
-            <a:extLst>
-              <a:ext uri="{FF2B5EF4-FFF2-40B4-BE49-F238E27FC236}">
-                <a16:creationId xmlns:a16="http://schemas.microsoft.com/office/drawing/2014/main" xmlns="" id="{E2EAF03B-EC26-1D47-94AC-C75942861D6C}"/>
-              </a:ext>
-            </a:extLst>
-          </p:cNvPr>
-          <p:cNvSpPr>
-            <a:spLocks noGrp="1"/>
-          </p:cNvSpPr>
-          <p:nvPr>
-            <p:ph type="title"/>
-          </p:nvPr>
-        </p:nvSpPr>
-        <p:spPr>
-          <a:xfrm>
-            <a:off x="585896" y="1255977"/>
-            <a:ext cx="11156159" cy="777025"/>
-          </a:xfrm>
-        </p:spPr>
-        <p:txBody>
-          <a:bodyPr>
-            <a:normAutofit/>
-          </a:bodyPr>
-          <a:lstStyle/>
-          <a:p>
-            <a:r>
-              <a:rPr lang="ru-RU" sz="2800" dirty="0">
-                <a:solidFill>
-                  <a:srgbClr val="0E2D69"/>
-                </a:solidFill>
-              </a:rPr>
-              <a:t>Анализ существующих решений</a:t>
-            </a:r>
-          </a:p>
-        </p:txBody>
-      </p:sp>
-      <p:sp>
-        <p:nvSpPr>
-          <p:cNvPr id="5" name="Текст 4">
-            <a:extLst>
-              <a:ext uri="{FF2B5EF4-FFF2-40B4-BE49-F238E27FC236}">
-                <a16:creationId xmlns:a16="http://schemas.microsoft.com/office/drawing/2014/main" xmlns="" id="{3EB29DC1-D5D4-FB41-9E2D-AA4750D0CC8B}"/>
-              </a:ext>
-            </a:extLst>
-          </p:cNvPr>
-          <p:cNvSpPr>
-            <a:spLocks noGrp="1"/>
-          </p:cNvSpPr>
-          <p:nvPr>
-            <p:ph type="body" sz="quarter" idx="13"/>
-          </p:nvPr>
-        </p:nvSpPr>
-        <p:spPr>
-          <a:xfrm>
-            <a:off x="1143689" y="548720"/>
-            <a:ext cx="1901825" cy="415925"/>
-          </a:xfrm>
-        </p:spPr>
-        <p:txBody>
-          <a:bodyPr/>
-          <a:lstStyle/>
-          <a:p>
-            <a:r>
-              <a:rPr lang="ru-RU" dirty="0"/>
-              <a:t>Факультет компьютерных наук,</a:t>
-            </a:r>
-          </a:p>
-          <a:p>
-            <a:r>
-              <a:rPr lang="ru-RU" dirty="0"/>
-              <a:t>ОП «Программная инженерия»</a:t>
-            </a:r>
-          </a:p>
-        </p:txBody>
-      </p:sp>
-      <p:sp>
-        <p:nvSpPr>
-          <p:cNvPr id="11" name="Текст 5">
-            <a:extLst>
-              <a:ext uri="{FF2B5EF4-FFF2-40B4-BE49-F238E27FC236}">
-                <a16:creationId xmlns:a16="http://schemas.microsoft.com/office/drawing/2014/main" xmlns="" id="{B5B6DD1A-BEFA-D842-9B7A-78D7BD1A5259}"/>
-              </a:ext>
-            </a:extLst>
-          </p:cNvPr>
-          <p:cNvSpPr>
-            <a:spLocks noGrp="1"/>
-          </p:cNvSpPr>
-          <p:nvPr>
-            <p:ph type="body" sz="quarter" idx="14"/>
-          </p:nvPr>
-        </p:nvSpPr>
-        <p:spPr>
-          <a:xfrm>
-            <a:off x="3459162" y="548720"/>
-            <a:ext cx="2532563" cy="408109"/>
-          </a:xfrm>
-        </p:spPr>
-        <p:txBody>
-          <a:bodyPr/>
-          <a:lstStyle/>
-          <a:p>
-            <a:r>
-              <a:rPr lang="ru-RU" dirty="0"/>
-              <a:t>Программа для моделирования восприятия факторов успеха IТ-проекта с использованием НКК</a:t>
-            </a:r>
-            <a:endParaRPr lang="ru-RU" dirty="0"/>
-          </a:p>
-        </p:txBody>
-      </p:sp>
-      <p:sp>
-        <p:nvSpPr>
-          <p:cNvPr id="13" name="Текст 6">
-            <a:extLst>
-              <a:ext uri="{FF2B5EF4-FFF2-40B4-BE49-F238E27FC236}">
-                <a16:creationId xmlns:a16="http://schemas.microsoft.com/office/drawing/2014/main" xmlns="" id="{88968744-3B75-9B47-92FD-77E1E725F232}"/>
-              </a:ext>
-            </a:extLst>
-          </p:cNvPr>
-          <p:cNvSpPr>
-            <a:spLocks noGrp="1"/>
-          </p:cNvSpPr>
-          <p:nvPr>
-            <p:ph type="body" sz="quarter" idx="15"/>
-          </p:nvPr>
-        </p:nvSpPr>
-        <p:spPr>
-          <a:xfrm>
-            <a:off x="6259892" y="548720"/>
-            <a:ext cx="2070100" cy="408109"/>
-          </a:xfrm>
-        </p:spPr>
-        <p:txBody>
-          <a:bodyPr/>
-          <a:lstStyle/>
-          <a:p>
-            <a:r>
-              <a:rPr lang="ru-RU" dirty="0" err="1"/>
-              <a:t>Пеганов</a:t>
-            </a:r>
-            <a:endParaRPr lang="ru-RU" dirty="0"/>
-          </a:p>
-          <a:p>
-            <a:r>
-              <a:rPr lang="ru-RU" dirty="0"/>
-              <a:t>Никита Сергеевич</a:t>
-            </a:r>
-            <a:endParaRPr lang="ru-RU" dirty="0"/>
           </a:p>
         </p:txBody>
       </p:sp>
@@ -12659,6 +11757,597 @@
 </p:sld>
 </file>
 
+<file path=ppt/slides/slide6.xml><?xml version="1.0" encoding="utf-8"?>
+<p:sld xmlns:a="http://schemas.openxmlformats.org/drawingml/2006/main" xmlns:r="http://schemas.openxmlformats.org/officeDocument/2006/relationships" xmlns:p="http://schemas.openxmlformats.org/presentationml/2006/main">
+  <p:cSld>
+    <p:spTree>
+      <p:nvGrpSpPr>
+        <p:cNvPr id="1" name=""/>
+        <p:cNvGrpSpPr/>
+        <p:nvPr/>
+      </p:nvGrpSpPr>
+      <p:grpSpPr>
+        <a:xfrm>
+          <a:off x="0" y="0"/>
+          <a:ext cx="0" cy="0"/>
+          <a:chOff x="0" y="0"/>
+          <a:chExt cx="0" cy="0"/>
+        </a:xfrm>
+      </p:grpSpPr>
+      <p:sp>
+        <p:nvSpPr>
+          <p:cNvPr id="3" name="Заголовок 2">
+            <a:extLst>
+              <a:ext uri="{FF2B5EF4-FFF2-40B4-BE49-F238E27FC236}">
+                <a16:creationId xmlns="" xmlns:a16="http://schemas.microsoft.com/office/drawing/2014/main" id="{E2EAF03B-EC26-1D47-94AC-C75942861D6C}"/>
+              </a:ext>
+            </a:extLst>
+          </p:cNvPr>
+          <p:cNvSpPr>
+            <a:spLocks noGrp="1"/>
+          </p:cNvSpPr>
+          <p:nvPr>
+            <p:ph type="title"/>
+          </p:nvPr>
+        </p:nvSpPr>
+        <p:spPr>
+          <a:xfrm>
+            <a:off x="585897" y="1447790"/>
+            <a:ext cx="11156159" cy="777025"/>
+          </a:xfrm>
+        </p:spPr>
+        <p:txBody>
+          <a:bodyPr>
+            <a:normAutofit/>
+          </a:bodyPr>
+          <a:lstStyle/>
+          <a:p>
+            <a:r>
+              <a:rPr lang="ru-RU" sz="2800" dirty="0">
+                <a:solidFill>
+                  <a:srgbClr val="0E2D69"/>
+                </a:solidFill>
+              </a:rPr>
+              <a:t>Цель и задачи ВКР</a:t>
+            </a:r>
+          </a:p>
+        </p:txBody>
+      </p:sp>
+      <p:sp>
+        <p:nvSpPr>
+          <p:cNvPr id="5" name="Текст 4">
+            <a:extLst>
+              <a:ext uri="{FF2B5EF4-FFF2-40B4-BE49-F238E27FC236}">
+                <a16:creationId xmlns="" xmlns:a16="http://schemas.microsoft.com/office/drawing/2014/main" id="{3EB29DC1-D5D4-FB41-9E2D-AA4750D0CC8B}"/>
+              </a:ext>
+            </a:extLst>
+          </p:cNvPr>
+          <p:cNvSpPr>
+            <a:spLocks noGrp="1"/>
+          </p:cNvSpPr>
+          <p:nvPr>
+            <p:ph type="body" sz="quarter" idx="13"/>
+          </p:nvPr>
+        </p:nvSpPr>
+        <p:spPr>
+          <a:xfrm>
+            <a:off x="1143689" y="548720"/>
+            <a:ext cx="1901825" cy="415925"/>
+          </a:xfrm>
+        </p:spPr>
+        <p:txBody>
+          <a:bodyPr/>
+          <a:lstStyle/>
+          <a:p>
+            <a:r>
+              <a:rPr lang="ru-RU" dirty="0"/>
+              <a:t>Факультет компьютерных наук,</a:t>
+            </a:r>
+          </a:p>
+          <a:p>
+            <a:r>
+              <a:rPr lang="ru-RU" dirty="0"/>
+              <a:t>ОП «Программная инженерия»</a:t>
+            </a:r>
+          </a:p>
+        </p:txBody>
+      </p:sp>
+      <p:sp>
+        <p:nvSpPr>
+          <p:cNvPr id="8" name="Текст 5">
+            <a:extLst>
+              <a:ext uri="{FF2B5EF4-FFF2-40B4-BE49-F238E27FC236}">
+                <a16:creationId xmlns="" xmlns:a16="http://schemas.microsoft.com/office/drawing/2014/main" id="{B5B6DD1A-BEFA-D842-9B7A-78D7BD1A5259}"/>
+              </a:ext>
+            </a:extLst>
+          </p:cNvPr>
+          <p:cNvSpPr>
+            <a:spLocks noGrp="1"/>
+          </p:cNvSpPr>
+          <p:nvPr>
+            <p:ph type="body" sz="quarter" idx="14"/>
+          </p:nvPr>
+        </p:nvSpPr>
+        <p:spPr>
+          <a:xfrm>
+            <a:off x="3459162" y="548720"/>
+            <a:ext cx="2532563" cy="408109"/>
+          </a:xfrm>
+        </p:spPr>
+        <p:txBody>
+          <a:bodyPr/>
+          <a:lstStyle/>
+          <a:p>
+            <a:r>
+              <a:rPr lang="ru-RU" dirty="0"/>
+              <a:t>Программа для моделирования восприятия факторов успеха IТ-проекта с использованием НКК</a:t>
+            </a:r>
+          </a:p>
+        </p:txBody>
+      </p:sp>
+      <p:sp>
+        <p:nvSpPr>
+          <p:cNvPr id="10" name="Текст 6">
+            <a:extLst>
+              <a:ext uri="{FF2B5EF4-FFF2-40B4-BE49-F238E27FC236}">
+                <a16:creationId xmlns="" xmlns:a16="http://schemas.microsoft.com/office/drawing/2014/main" id="{88968744-3B75-9B47-92FD-77E1E725F232}"/>
+              </a:ext>
+            </a:extLst>
+          </p:cNvPr>
+          <p:cNvSpPr>
+            <a:spLocks noGrp="1"/>
+          </p:cNvSpPr>
+          <p:nvPr>
+            <p:ph type="body" sz="quarter" idx="15"/>
+          </p:nvPr>
+        </p:nvSpPr>
+        <p:spPr>
+          <a:xfrm>
+            <a:off x="6259892" y="548720"/>
+            <a:ext cx="2070100" cy="408109"/>
+          </a:xfrm>
+        </p:spPr>
+        <p:txBody>
+          <a:bodyPr/>
+          <a:lstStyle/>
+          <a:p>
+            <a:r>
+              <a:rPr lang="ru-RU" dirty="0" err="1"/>
+              <a:t>Пеганов</a:t>
+            </a:r>
+            <a:endParaRPr lang="ru-RU" dirty="0"/>
+          </a:p>
+          <a:p>
+            <a:r>
+              <a:rPr lang="ru-RU" dirty="0"/>
+              <a:t>Никита Сергеевич</a:t>
+            </a:r>
+          </a:p>
+        </p:txBody>
+      </p:sp>
+      <p:sp>
+        <p:nvSpPr>
+          <p:cNvPr id="2" name="Текст 1"/>
+          <p:cNvSpPr>
+            <a:spLocks noGrp="1"/>
+          </p:cNvSpPr>
+          <p:nvPr>
+            <p:ph type="body" sz="quarter" idx="12"/>
+          </p:nvPr>
+        </p:nvSpPr>
+        <p:spPr>
+          <a:xfrm>
+            <a:off x="475488" y="1947672"/>
+            <a:ext cx="5516237" cy="4425696"/>
+          </a:xfrm>
+        </p:spPr>
+        <p:txBody>
+          <a:bodyPr>
+            <a:normAutofit fontScale="92500" lnSpcReduction="10000"/>
+          </a:bodyPr>
+          <a:lstStyle/>
+          <a:p>
+            <a:pPr lvl="0">
+              <a:lnSpc>
+                <a:spcPct val="90000"/>
+              </a:lnSpc>
+              <a:spcBef>
+                <a:spcPts val="0"/>
+              </a:spcBef>
+              <a:buSzPts val="2100"/>
+            </a:pPr>
+            <a:r>
+              <a:rPr lang="ru-RU" sz="1800" b="1" dirty="0">
+                <a:solidFill>
+                  <a:srgbClr val="0F2C68"/>
+                </a:solidFill>
+                <a:latin typeface="Roboto"/>
+                <a:ea typeface="Roboto"/>
+                <a:cs typeface="Roboto"/>
+                <a:sym typeface="Roboto"/>
+              </a:rPr>
+              <a:t>Цель работы:</a:t>
+            </a:r>
+            <a:r>
+              <a:rPr lang="ru-RU" sz="1800" dirty="0">
+                <a:solidFill>
+                  <a:srgbClr val="0F2C68"/>
+                </a:solidFill>
+                <a:latin typeface="Roboto"/>
+                <a:ea typeface="Roboto"/>
+                <a:cs typeface="Roboto"/>
+                <a:sym typeface="Roboto"/>
+              </a:rPr>
+              <a:t> Разработка программы для моделирования восприятия факторов успеха ИТ-проекта с использованием нечетких когнитивных карт.</a:t>
+            </a:r>
+          </a:p>
+          <a:p>
+            <a:pPr lvl="0">
+              <a:lnSpc>
+                <a:spcPct val="115000"/>
+              </a:lnSpc>
+              <a:spcBef>
+                <a:spcPts val="1900"/>
+              </a:spcBef>
+              <a:buSzPts val="1100"/>
+            </a:pPr>
+            <a:r>
+              <a:rPr lang="ru-RU" sz="1800" b="1" dirty="0">
+                <a:solidFill>
+                  <a:srgbClr val="0F2C68"/>
+                </a:solidFill>
+                <a:latin typeface="Roboto"/>
+                <a:ea typeface="Roboto"/>
+                <a:cs typeface="Roboto"/>
+                <a:sym typeface="Roboto"/>
+              </a:rPr>
+              <a:t>Задачи:</a:t>
+            </a:r>
+          </a:p>
+          <a:p>
+            <a:pPr marL="457200" lvl="0" indent="-323850">
+              <a:lnSpc>
+                <a:spcPct val="115000"/>
+              </a:lnSpc>
+              <a:spcBef>
+                <a:spcPts val="1900"/>
+              </a:spcBef>
+              <a:buClr>
+                <a:srgbClr val="0F2C68"/>
+              </a:buClr>
+              <a:buSzPts val="1500"/>
+              <a:buFont typeface="Roboto"/>
+              <a:buAutoNum type="arabicPeriod"/>
+            </a:pPr>
+            <a:r>
+              <a:rPr lang="ru-RU" sz="1800" dirty="0">
+                <a:solidFill>
+                  <a:srgbClr val="0F2C68"/>
+                </a:solidFill>
+                <a:latin typeface="Roboto"/>
+                <a:ea typeface="Roboto"/>
+                <a:cs typeface="Roboto"/>
+                <a:sym typeface="Roboto"/>
+              </a:rPr>
+              <a:t>Обзор литературы и анализ существующих методов оценки успеха ИТ-проектов</a:t>
+            </a:r>
+          </a:p>
+          <a:p>
+            <a:pPr marL="457200" lvl="0" indent="-323850">
+              <a:lnSpc>
+                <a:spcPct val="115000"/>
+              </a:lnSpc>
+              <a:spcBef>
+                <a:spcPts val="0"/>
+              </a:spcBef>
+              <a:buClr>
+                <a:srgbClr val="0F2C68"/>
+              </a:buClr>
+              <a:buSzPts val="1500"/>
+              <a:buFont typeface="Roboto"/>
+              <a:buAutoNum type="arabicPeriod"/>
+            </a:pPr>
+            <a:r>
+              <a:rPr lang="ru-RU" sz="1800" dirty="0">
+                <a:solidFill>
+                  <a:srgbClr val="0F2C68"/>
+                </a:solidFill>
+                <a:latin typeface="Roboto"/>
+                <a:ea typeface="Roboto"/>
+                <a:cs typeface="Roboto"/>
+                <a:sym typeface="Roboto"/>
+              </a:rPr>
+              <a:t>Изучение теории нечетких когнитивных карт</a:t>
+            </a:r>
+          </a:p>
+          <a:p>
+            <a:pPr marL="457200" lvl="0" indent="-323850">
+              <a:lnSpc>
+                <a:spcPct val="115000"/>
+              </a:lnSpc>
+              <a:spcBef>
+                <a:spcPts val="0"/>
+              </a:spcBef>
+              <a:buClr>
+                <a:srgbClr val="0F2C68"/>
+              </a:buClr>
+              <a:buSzPts val="1500"/>
+              <a:buFont typeface="Roboto"/>
+              <a:buAutoNum type="arabicPeriod"/>
+            </a:pPr>
+            <a:r>
+              <a:rPr lang="ru-RU" sz="1800" dirty="0">
+                <a:solidFill>
+                  <a:srgbClr val="0F2C68"/>
+                </a:solidFill>
+                <a:latin typeface="Roboto"/>
+                <a:ea typeface="Roboto"/>
+                <a:cs typeface="Roboto"/>
+                <a:sym typeface="Roboto"/>
+              </a:rPr>
+              <a:t>Разработка методологии моделирования восприятия факторов успеха ИТ-проекта</a:t>
+            </a:r>
+          </a:p>
+          <a:p>
+            <a:pPr marL="457200" lvl="0" indent="-323850">
+              <a:lnSpc>
+                <a:spcPct val="115000"/>
+              </a:lnSpc>
+              <a:spcBef>
+                <a:spcPts val="0"/>
+              </a:spcBef>
+              <a:buClr>
+                <a:srgbClr val="0F2C68"/>
+              </a:buClr>
+              <a:buSzPts val="1500"/>
+              <a:buFont typeface="Roboto"/>
+              <a:buAutoNum type="arabicPeriod"/>
+            </a:pPr>
+            <a:r>
+              <a:rPr lang="ru-RU" sz="1800" dirty="0">
+                <a:solidFill>
+                  <a:srgbClr val="0F2C68"/>
+                </a:solidFill>
+                <a:latin typeface="Roboto"/>
+                <a:ea typeface="Roboto"/>
+                <a:cs typeface="Roboto"/>
+                <a:sym typeface="Roboto"/>
+              </a:rPr>
+              <a:t>Проектирование программы для моделирования</a:t>
+            </a:r>
+          </a:p>
+          <a:p>
+            <a:pPr marL="457200" lvl="0" indent="-323850">
+              <a:lnSpc>
+                <a:spcPct val="115000"/>
+              </a:lnSpc>
+              <a:spcBef>
+                <a:spcPts val="0"/>
+              </a:spcBef>
+              <a:buClr>
+                <a:srgbClr val="0F2C68"/>
+              </a:buClr>
+              <a:buSzPts val="1500"/>
+              <a:buFont typeface="Roboto"/>
+              <a:buAutoNum type="arabicPeriod"/>
+            </a:pPr>
+            <a:r>
+              <a:rPr lang="ru-RU" sz="1800" dirty="0">
+                <a:solidFill>
+                  <a:srgbClr val="0F2C68"/>
+                </a:solidFill>
+                <a:latin typeface="Roboto"/>
+                <a:ea typeface="Roboto"/>
+                <a:cs typeface="Roboto"/>
+                <a:sym typeface="Roboto"/>
+              </a:rPr>
+              <a:t>Реализация программы</a:t>
+            </a:r>
+          </a:p>
+          <a:p>
+            <a:pPr marL="457200" lvl="0" indent="-323850">
+              <a:lnSpc>
+                <a:spcPct val="115000"/>
+              </a:lnSpc>
+              <a:spcBef>
+                <a:spcPts val="0"/>
+              </a:spcBef>
+              <a:buClr>
+                <a:srgbClr val="0F2C68"/>
+              </a:buClr>
+              <a:buSzPts val="1500"/>
+              <a:buFont typeface="Roboto"/>
+              <a:buAutoNum type="arabicPeriod"/>
+            </a:pPr>
+            <a:r>
+              <a:rPr lang="ru-RU" sz="1800" dirty="0">
+                <a:solidFill>
+                  <a:srgbClr val="0F2C68"/>
+                </a:solidFill>
+                <a:latin typeface="Roboto"/>
+                <a:ea typeface="Roboto"/>
+                <a:cs typeface="Roboto"/>
+                <a:sym typeface="Roboto"/>
+              </a:rPr>
+              <a:t>Тестирование и </a:t>
+            </a:r>
+            <a:r>
+              <a:rPr lang="ru-RU" sz="1800" dirty="0" err="1">
+                <a:solidFill>
+                  <a:srgbClr val="0F2C68"/>
+                </a:solidFill>
+                <a:latin typeface="Roboto"/>
+                <a:ea typeface="Roboto"/>
+                <a:cs typeface="Roboto"/>
+                <a:sym typeface="Roboto"/>
+              </a:rPr>
+              <a:t>валидация</a:t>
+            </a:r>
+            <a:endParaRPr lang="ru-RU" sz="1800" dirty="0">
+              <a:solidFill>
+                <a:srgbClr val="0F2C68"/>
+              </a:solidFill>
+              <a:latin typeface="Roboto"/>
+              <a:ea typeface="Roboto"/>
+              <a:cs typeface="Roboto"/>
+              <a:sym typeface="Roboto"/>
+            </a:endParaRPr>
+          </a:p>
+          <a:p>
+            <a:pPr marL="457200" lvl="0" indent="-323850">
+              <a:lnSpc>
+                <a:spcPct val="115000"/>
+              </a:lnSpc>
+              <a:spcBef>
+                <a:spcPts val="0"/>
+              </a:spcBef>
+              <a:buClr>
+                <a:srgbClr val="0F2C68"/>
+              </a:buClr>
+              <a:buSzPts val="1500"/>
+              <a:buFont typeface="Roboto"/>
+              <a:buAutoNum type="arabicPeriod"/>
+            </a:pPr>
+            <a:r>
+              <a:rPr lang="ru-RU" sz="1800" dirty="0">
+                <a:solidFill>
+                  <a:srgbClr val="0F2C68"/>
+                </a:solidFill>
+                <a:latin typeface="Roboto"/>
+                <a:ea typeface="Roboto"/>
+                <a:cs typeface="Roboto"/>
+                <a:sym typeface="Roboto"/>
+              </a:rPr>
+              <a:t>Анализ результатов и выводы</a:t>
+            </a:r>
+          </a:p>
+          <a:p>
+            <a:pPr marL="457200" lvl="0" indent="-323850">
+              <a:lnSpc>
+                <a:spcPct val="115000"/>
+              </a:lnSpc>
+              <a:spcBef>
+                <a:spcPts val="0"/>
+              </a:spcBef>
+              <a:buClr>
+                <a:srgbClr val="0F2C68"/>
+              </a:buClr>
+              <a:buSzPts val="1500"/>
+              <a:buFont typeface="Roboto"/>
+              <a:buAutoNum type="arabicPeriod"/>
+            </a:pPr>
+            <a:r>
+              <a:rPr lang="ru-RU" sz="1800" dirty="0">
+                <a:solidFill>
+                  <a:srgbClr val="0F2C68"/>
+                </a:solidFill>
+                <a:latin typeface="Roboto"/>
+                <a:ea typeface="Roboto"/>
+                <a:cs typeface="Roboto"/>
+                <a:sym typeface="Roboto"/>
+              </a:rPr>
+              <a:t>Подготовка документации</a:t>
+            </a:r>
+          </a:p>
+          <a:p>
+            <a:pPr lvl="0">
+              <a:lnSpc>
+                <a:spcPct val="90000"/>
+              </a:lnSpc>
+              <a:spcBef>
+                <a:spcPts val="0"/>
+              </a:spcBef>
+              <a:buSzPts val="2100"/>
+            </a:pPr>
+            <a:endParaRPr lang="ru-RU" sz="1800" dirty="0">
+              <a:solidFill>
+                <a:srgbClr val="0F2C68"/>
+              </a:solidFill>
+              <a:latin typeface="Roboto"/>
+              <a:ea typeface="Roboto"/>
+              <a:cs typeface="Roboto"/>
+              <a:sym typeface="Roboto"/>
+            </a:endParaRPr>
+          </a:p>
+        </p:txBody>
+      </p:sp>
+      <p:pic>
+        <p:nvPicPr>
+          <p:cNvPr id="3075" name="Picture 3"/>
+          <p:cNvPicPr>
+            <a:picLocks noChangeAspect="1" noChangeArrowheads="1"/>
+          </p:cNvPicPr>
+          <p:nvPr/>
+        </p:nvPicPr>
+        <p:blipFill>
+          <a:blip r:embed="rId2">
+            <a:extLst>
+              <a:ext uri="{28A0092B-C50C-407E-A947-70E740481C1C}">
+                <a14:useLocalDpi xmlns:a14="http://schemas.microsoft.com/office/drawing/2010/main" val="0"/>
+              </a:ext>
+            </a:extLst>
+          </a:blip>
+          <a:srcRect/>
+          <a:stretch>
+            <a:fillRect/>
+          </a:stretch>
+        </p:blipFill>
+        <p:spPr bwMode="auto">
+          <a:xfrm>
+            <a:off x="5991725" y="2380598"/>
+            <a:ext cx="5815905" cy="2914113"/>
+          </a:xfrm>
+          <a:prstGeom prst="rect">
+            <a:avLst/>
+          </a:prstGeom>
+          <a:noFill/>
+          <a:ln>
+            <a:noFill/>
+          </a:ln>
+          <a:effectLst/>
+          <a:extLst>
+            <a:ext uri="{909E8E84-426E-40DD-AFC4-6F175D3DCCD1}">
+              <a14:hiddenFill xmlns:a14="http://schemas.microsoft.com/office/drawing/2010/main">
+                <a:solidFill>
+                  <a:schemeClr val="accent1"/>
+                </a:solidFill>
+              </a14:hiddenFill>
+            </a:ext>
+            <a:ext uri="{91240B29-F687-4F45-9708-019B960494DF}">
+              <a14:hiddenLine xmlns:a14="http://schemas.microsoft.com/office/drawing/2010/main" w="9525">
+                <a:solidFill>
+                  <a:schemeClr val="tx1"/>
+                </a:solidFill>
+                <a:miter lim="800000"/>
+                <a:headEnd/>
+                <a:tailEnd/>
+              </a14:hiddenLine>
+            </a:ext>
+            <a:ext uri="{AF507438-7753-43E0-B8FC-AC1667EBCBE1}">
+              <a14:hiddenEffects xmlns:a14="http://schemas.microsoft.com/office/drawing/2010/main">
+                <a:effectLst>
+                  <a:outerShdw dist="35921" dir="2700000" algn="ctr" rotWithShape="0">
+                    <a:schemeClr val="bg2"/>
+                  </a:outerShdw>
+                </a:effectLst>
+              </a14:hiddenEffects>
+            </a:ext>
+          </a:extLst>
+        </p:spPr>
+      </p:pic>
+    </p:spTree>
+    <p:extLst>
+      <p:ext uri="{BB962C8B-B14F-4D97-AF65-F5344CB8AC3E}">
+        <p14:creationId xmlns:p14="http://schemas.microsoft.com/office/powerpoint/2010/main" val="3181034569"/>
+      </p:ext>
+    </p:extLst>
+  </p:cSld>
+  <p:clrMapOvr>
+    <a:masterClrMapping/>
+  </p:clrMapOvr>
+</p:sld>
+</file>
+
 <file path=ppt/slides/slide7.xml><?xml version="1.0" encoding="utf-8"?>
 <p:sld xmlns:a="http://schemas.openxmlformats.org/drawingml/2006/main" xmlns:r="http://schemas.openxmlformats.org/officeDocument/2006/relationships" xmlns:p="http://schemas.openxmlformats.org/presentationml/2006/main">
   <p:cSld>
@@ -12681,7 +12370,7 @@
           <p:cNvPr id="3" name="Заголовок 2">
             <a:extLst>
               <a:ext uri="{FF2B5EF4-FFF2-40B4-BE49-F238E27FC236}">
-                <a16:creationId xmlns:a16="http://schemas.microsoft.com/office/drawing/2014/main" xmlns="" id="{E2EAF03B-EC26-1D47-94AC-C75942861D6C}"/>
+                <a16:creationId xmlns="" xmlns:a16="http://schemas.microsoft.com/office/drawing/2014/main" id="{E2EAF03B-EC26-1D47-94AC-C75942861D6C}"/>
               </a:ext>
             </a:extLst>
           </p:cNvPr>
@@ -12720,7 +12409,7 @@
           <p:cNvPr id="4" name="Текст 3">
             <a:extLst>
               <a:ext uri="{FF2B5EF4-FFF2-40B4-BE49-F238E27FC236}">
-                <a16:creationId xmlns:a16="http://schemas.microsoft.com/office/drawing/2014/main" xmlns="" id="{53356540-7218-FF4B-B6BC-5BD291A372E2}"/>
+                <a16:creationId xmlns="" xmlns:a16="http://schemas.microsoft.com/office/drawing/2014/main" id="{53356540-7218-FF4B-B6BC-5BD291A372E2}"/>
               </a:ext>
             </a:extLst>
           </p:cNvPr>
@@ -12733,161 +12422,73 @@
         </p:nvSpPr>
         <p:spPr>
           <a:xfrm>
-            <a:off x="411480" y="1947672"/>
-            <a:ext cx="11330576" cy="4645152"/>
+            <a:off x="4187952" y="1947672"/>
+            <a:ext cx="7554104" cy="4645152"/>
           </a:xfrm>
         </p:spPr>
         <p:txBody>
           <a:bodyPr>
-            <a:normAutofit fontScale="85000" lnSpcReduction="10000"/>
+            <a:normAutofit lnSpcReduction="10000"/>
           </a:bodyPr>
           <a:lstStyle/>
           <a:p>
             <a:r>
-              <a:rPr lang="ru-RU" sz="1600" dirty="0" smtClean="0"/>
-              <a:t>Программа </a:t>
-            </a:r>
-            <a:r>
               <a:rPr lang="ru-RU" sz="1600" dirty="0"/>
-              <a:t>должна предоставлять механизмы для </a:t>
-            </a:r>
-            <a:r>
-              <a:rPr lang="ru-RU" sz="1600" b="1" dirty="0"/>
-              <a:t>создания моделей </a:t>
-            </a:r>
+              <a:t>• Создание моделей влияния факторов успеха IT-проекта методом нечетких когнитивных карт.</a:t>
+            </a:r>
+          </a:p>
+          <a:p>
             <a:r>
               <a:rPr lang="ru-RU" sz="1600" dirty="0"/>
-              <a:t>влияния факторов успеха IT-проекта, используя метод нечетких когнитивных карт</a:t>
-            </a:r>
-            <a:r>
-              <a:rPr lang="ru-RU" sz="1600" dirty="0" smtClean="0"/>
-              <a:t>.</a:t>
-            </a:r>
-          </a:p>
-          <a:p>
-            <a:r>
-              <a:rPr lang="ru-RU" sz="1600" dirty="0" smtClean="0"/>
-              <a:t>Оператор </a:t>
-            </a:r>
+              <a:t>• Возможность выбора и модификации факторов влияния на успех IT-проекта.</a:t>
+            </a:r>
+          </a:p>
+          <a:p>
             <a:r>
               <a:rPr lang="ru-RU" sz="1600" dirty="0"/>
-              <a:t>должен иметь возможность создавать индивидуальные модели, выбирая и модифицируя факторы влияния на успех IT-проекта</a:t>
-            </a:r>
-            <a:r>
-              <a:rPr lang="ru-RU" sz="1600" dirty="0" smtClean="0"/>
-              <a:t>.</a:t>
-            </a:r>
-          </a:p>
-          <a:p>
-            <a:r>
-              <a:rPr lang="ru-RU" sz="1600" dirty="0" smtClean="0"/>
-              <a:t>Программа </a:t>
-            </a:r>
+              <a:t>• Список наиболее часто встречающихся факторов IT-проекта.</a:t>
+            </a:r>
+          </a:p>
+          <a:p>
             <a:r>
               <a:rPr lang="ru-RU" sz="1600" dirty="0"/>
-              <a:t>должна предоставлять список наиболее часто встречающихся факторов IT-проекта, из которого оператор может выбирать элементы для включения в модель</a:t>
-            </a:r>
-            <a:r>
-              <a:rPr lang="ru-RU" sz="1600" dirty="0" smtClean="0"/>
-              <a:t>.</a:t>
-            </a:r>
-          </a:p>
-          <a:p>
-            <a:r>
-              <a:rPr lang="ru-RU" sz="1600" dirty="0" smtClean="0"/>
-              <a:t>Должен </a:t>
-            </a:r>
+              <a:t>• Модификация моделей: добавление или удаление факторов, изменение взаимосвязей.</a:t>
+            </a:r>
+          </a:p>
+          <a:p>
             <a:r>
               <a:rPr lang="ru-RU" sz="1600" dirty="0"/>
-              <a:t>быть реализован функционал для модификации построенных моделей, включая добавление или удаление факторов, изменение взаимосвязей между факторами</a:t>
-            </a:r>
-            <a:r>
-              <a:rPr lang="ru-RU" sz="1600" dirty="0" smtClean="0"/>
-              <a:t>.</a:t>
-            </a:r>
-          </a:p>
-          <a:p>
-            <a:r>
-              <a:rPr lang="ru-RU" sz="1600" dirty="0" smtClean="0"/>
-              <a:t>Оператор </a:t>
-            </a:r>
+              <a:t>• Сохранение моделей во внешний файл.</a:t>
+            </a:r>
+          </a:p>
+          <a:p>
             <a:r>
               <a:rPr lang="ru-RU" sz="1600" dirty="0"/>
-              <a:t>должен иметь возможность сохранять построенные или измененные модели во внешний файл</a:t>
-            </a:r>
-            <a:r>
-              <a:rPr lang="ru-RU" sz="1600" dirty="0" smtClean="0"/>
-              <a:t>.</a:t>
-            </a:r>
-          </a:p>
-          <a:p>
-            <a:r>
-              <a:rPr lang="ru-RU" sz="1600" dirty="0" smtClean="0"/>
-              <a:t>Программа </a:t>
-            </a:r>
+              <a:t>• Поддержка сохранения различных версий когнитивной карты.</a:t>
+            </a:r>
+          </a:p>
+          <a:p>
             <a:r>
               <a:rPr lang="ru-RU" sz="1600" dirty="0"/>
-              <a:t>должна поддерживать сохранение различных версий когнитивной карты в процессе ее изменения</a:t>
-            </a:r>
-            <a:r>
-              <a:rPr lang="ru-RU" sz="1600" dirty="0" smtClean="0"/>
-              <a:t>.</a:t>
-            </a:r>
-          </a:p>
-          <a:p>
-            <a:r>
-              <a:rPr lang="ru-RU" sz="1600" dirty="0" smtClean="0"/>
-              <a:t>Должна </a:t>
-            </a:r>
+              <a:t>• Анализ взаимосвязей факторов в различных моделях.</a:t>
+            </a:r>
+          </a:p>
+          <a:p>
             <a:r>
               <a:rPr lang="ru-RU" sz="1600" dirty="0"/>
-              <a:t>быть предусмотрена функциональность для анализа информации о взаимосвязях факторов в различных вариантах моделей</a:t>
-            </a:r>
-            <a:r>
-              <a:rPr lang="ru-RU" sz="1600" dirty="0" smtClean="0"/>
-              <a:t>.</a:t>
-            </a:r>
-          </a:p>
-          <a:p>
-            <a:r>
-              <a:rPr lang="ru-RU" sz="1600" dirty="0" smtClean="0"/>
-              <a:t>Программа </a:t>
-            </a:r>
+              <a:t>• Ввод и анализ лингвистических термов и функций принадлежности.</a:t>
+            </a:r>
+          </a:p>
+          <a:p>
             <a:r>
               <a:rPr lang="ru-RU" sz="1600" dirty="0"/>
-              <a:t>должна обеспечивать возможность ввода и анализа лингвистических термов и соответствующих им функций принадлежности</a:t>
-            </a:r>
-            <a:r>
-              <a:rPr lang="ru-RU" sz="1600" dirty="0" smtClean="0"/>
-              <a:t>.</a:t>
-            </a:r>
-          </a:p>
-          <a:p>
-            <a:r>
-              <a:rPr lang="ru-RU" sz="1600" dirty="0" smtClean="0"/>
-              <a:t>Должна </a:t>
-            </a:r>
+              <a:t>• Замена числовых значений весов на лингвистические термины.</a:t>
+            </a:r>
+          </a:p>
+          <a:p>
             <a:r>
               <a:rPr lang="ru-RU" sz="1600" dirty="0"/>
-              <a:t>быть реализована возможность замены числовых значений весов в когнитивной карте на формальное представление лингвистических термов</a:t>
-            </a:r>
-            <a:r>
-              <a:rPr lang="ru-RU" sz="1600" dirty="0" smtClean="0"/>
-              <a:t>.</a:t>
-            </a:r>
-          </a:p>
-          <a:p>
-            <a:r>
-              <a:rPr lang="ru-RU" sz="1600" dirty="0" smtClean="0"/>
-              <a:t>Программа </a:t>
-            </a:r>
-            <a:r>
-              <a:rPr lang="ru-RU" sz="1600" dirty="0"/>
-              <a:t>должна предоставлять аналитические инструменты для изучения ключевой информации, связанной с когнитивной картой, для выводов о значимости и влиянии конкретных факторов на успешность IT-проекта</a:t>
-            </a:r>
-            <a:r>
-              <a:rPr lang="ru-RU" sz="1600" dirty="0" smtClean="0"/>
-              <a:t>.</a:t>
+              <a:t>• Аналитические инструменты для изучения влияния факторов на успешность IT-проекта.</a:t>
             </a:r>
             <a:endParaRPr lang="ru-RU" sz="1600" dirty="0"/>
           </a:p>
@@ -12898,7 +12499,7 @@
           <p:cNvPr id="5" name="Текст 4">
             <a:extLst>
               <a:ext uri="{FF2B5EF4-FFF2-40B4-BE49-F238E27FC236}">
-                <a16:creationId xmlns:a16="http://schemas.microsoft.com/office/drawing/2014/main" xmlns="" id="{3EB29DC1-D5D4-FB41-9E2D-AA4750D0CC8B}"/>
+                <a16:creationId xmlns="" xmlns:a16="http://schemas.microsoft.com/office/drawing/2014/main" id="{3EB29DC1-D5D4-FB41-9E2D-AA4750D0CC8B}"/>
               </a:ext>
             </a:extLst>
           </p:cNvPr>
@@ -12937,7 +12538,7 @@
           <p:cNvPr id="8" name="Текст 5">
             <a:extLst>
               <a:ext uri="{FF2B5EF4-FFF2-40B4-BE49-F238E27FC236}">
-                <a16:creationId xmlns:a16="http://schemas.microsoft.com/office/drawing/2014/main" xmlns="" id="{B5B6DD1A-BEFA-D842-9B7A-78D7BD1A5259}"/>
+                <a16:creationId xmlns="" xmlns:a16="http://schemas.microsoft.com/office/drawing/2014/main" id="{B5B6DD1A-BEFA-D842-9B7A-78D7BD1A5259}"/>
               </a:ext>
             </a:extLst>
           </p:cNvPr>
@@ -12962,7 +12563,6 @@
               <a:rPr lang="ru-RU" dirty="0"/>
               <a:t>Программа для моделирования восприятия факторов успеха IТ-проекта с использованием НКК</a:t>
             </a:r>
-            <a:endParaRPr lang="ru-RU" dirty="0"/>
           </a:p>
         </p:txBody>
       </p:sp>
@@ -12971,7 +12571,7 @@
           <p:cNvPr id="10" name="Текст 6">
             <a:extLst>
               <a:ext uri="{FF2B5EF4-FFF2-40B4-BE49-F238E27FC236}">
-                <a16:creationId xmlns:a16="http://schemas.microsoft.com/office/drawing/2014/main" xmlns="" id="{88968744-3B75-9B47-92FD-77E1E725F232}"/>
+                <a16:creationId xmlns="" xmlns:a16="http://schemas.microsoft.com/office/drawing/2014/main" id="{88968744-3B75-9B47-92FD-77E1E725F232}"/>
               </a:ext>
             </a:extLst>
           </p:cNvPr>
@@ -13003,10 +12603,73 @@
               <a:rPr lang="ru-RU" dirty="0"/>
               <a:t>Никита Сергеевич</a:t>
             </a:r>
-            <a:endParaRPr lang="ru-RU" dirty="0"/>
-          </a:p>
-        </p:txBody>
-      </p:sp>
+          </a:p>
+        </p:txBody>
+      </p:sp>
+      <p:pic>
+        <p:nvPicPr>
+          <p:cNvPr id="4098" name="Picture 2"/>
+          <p:cNvPicPr>
+            <a:picLocks noChangeAspect="1" noChangeArrowheads="1"/>
+          </p:cNvPicPr>
+          <p:nvPr/>
+        </p:nvPicPr>
+        <p:blipFill>
+          <a:blip r:embed="rId2">
+            <a:extLst>
+              <a:ext uri="{28A0092B-C50C-407E-A947-70E740481C1C}">
+                <a14:useLocalDpi xmlns:a14="http://schemas.microsoft.com/office/drawing/2010/main" val="0"/>
+              </a:ext>
+            </a:extLst>
+          </a:blip>
+          <a:srcRect/>
+          <a:stretch>
+            <a:fillRect/>
+          </a:stretch>
+        </p:blipFill>
+        <p:spPr bwMode="auto">
+          <a:xfrm>
+            <a:off x="585897" y="2054542"/>
+            <a:ext cx="3380321" cy="4254818"/>
+          </a:xfrm>
+          <a:prstGeom prst="rect">
+            <a:avLst/>
+          </a:prstGeom>
+          <a:noFill/>
+          <a:ln>
+            <a:noFill/>
+          </a:ln>
+          <a:effectLst/>
+          <a:extLst>
+            <a:ext uri="{909E8E84-426E-40DD-AFC4-6F175D3DCCD1}">
+              <a14:hiddenFill xmlns:a14="http://schemas.microsoft.com/office/drawing/2010/main">
+                <a:solidFill>
+                  <a:schemeClr val="accent1"/>
+                </a:solidFill>
+              </a14:hiddenFill>
+            </a:ext>
+            <a:ext uri="{91240B29-F687-4F45-9708-019B960494DF}">
+              <a14:hiddenLine xmlns:a14="http://schemas.microsoft.com/office/drawing/2010/main" w="9525">
+                <a:solidFill>
+                  <a:schemeClr val="tx1"/>
+                </a:solidFill>
+                <a:miter lim="800000"/>
+                <a:headEnd/>
+                <a:tailEnd/>
+              </a14:hiddenLine>
+            </a:ext>
+            <a:ext uri="{AF507438-7753-43E0-B8FC-AC1667EBCBE1}">
+              <a14:hiddenEffects xmlns:a14="http://schemas.microsoft.com/office/drawing/2010/main">
+                <a:effectLst>
+                  <a:outerShdw dist="35921" dir="2700000" algn="ctr" rotWithShape="0">
+                    <a:schemeClr val="bg2"/>
+                  </a:outerShdw>
+                </a:effectLst>
+              </a14:hiddenEffects>
+            </a:ext>
+          </a:extLst>
+        </p:spPr>
+      </p:pic>
     </p:spTree>
     <p:extLst>
       <p:ext uri="{BB962C8B-B14F-4D97-AF65-F5344CB8AC3E}">
@@ -13042,7 +12705,7 @@
           <p:cNvPr id="3" name="Заголовок 2">
             <a:extLst>
               <a:ext uri="{FF2B5EF4-FFF2-40B4-BE49-F238E27FC236}">
-                <a16:creationId xmlns:a16="http://schemas.microsoft.com/office/drawing/2014/main" xmlns="" id="{E2EAF03B-EC26-1D47-94AC-C75942861D6C}"/>
+                <a16:creationId xmlns="" xmlns:a16="http://schemas.microsoft.com/office/drawing/2014/main" id="{E2EAF03B-EC26-1D47-94AC-C75942861D6C}"/>
               </a:ext>
             </a:extLst>
           </p:cNvPr>
@@ -13086,7 +12749,7 @@
           <p:cNvPr id="5" name="Текст 4">
             <a:extLst>
               <a:ext uri="{FF2B5EF4-FFF2-40B4-BE49-F238E27FC236}">
-                <a16:creationId xmlns:a16="http://schemas.microsoft.com/office/drawing/2014/main" xmlns="" id="{3EB29DC1-D5D4-FB41-9E2D-AA4750D0CC8B}"/>
+                <a16:creationId xmlns="" xmlns:a16="http://schemas.microsoft.com/office/drawing/2014/main" id="{3EB29DC1-D5D4-FB41-9E2D-AA4750D0CC8B}"/>
               </a:ext>
             </a:extLst>
           </p:cNvPr>
@@ -13125,7 +12788,7 @@
           <p:cNvPr id="11" name="Текст 5">
             <a:extLst>
               <a:ext uri="{FF2B5EF4-FFF2-40B4-BE49-F238E27FC236}">
-                <a16:creationId xmlns:a16="http://schemas.microsoft.com/office/drawing/2014/main" xmlns="" id="{B5B6DD1A-BEFA-D842-9B7A-78D7BD1A5259}"/>
+                <a16:creationId xmlns="" xmlns:a16="http://schemas.microsoft.com/office/drawing/2014/main" id="{B5B6DD1A-BEFA-D842-9B7A-78D7BD1A5259}"/>
               </a:ext>
             </a:extLst>
           </p:cNvPr>
@@ -13150,7 +12813,6 @@
               <a:rPr lang="ru-RU" dirty="0"/>
               <a:t>Программа для моделирования восприятия факторов успеха IТ-проекта с использованием НКК</a:t>
             </a:r>
-            <a:endParaRPr lang="ru-RU" dirty="0"/>
           </a:p>
         </p:txBody>
       </p:sp>
@@ -13159,7 +12821,7 @@
           <p:cNvPr id="12" name="Текст 6">
             <a:extLst>
               <a:ext uri="{FF2B5EF4-FFF2-40B4-BE49-F238E27FC236}">
-                <a16:creationId xmlns:a16="http://schemas.microsoft.com/office/drawing/2014/main" xmlns="" id="{88968744-3B75-9B47-92FD-77E1E725F232}"/>
+                <a16:creationId xmlns="" xmlns:a16="http://schemas.microsoft.com/office/drawing/2014/main" id="{88968744-3B75-9B47-92FD-77E1E725F232}"/>
               </a:ext>
             </a:extLst>
           </p:cNvPr>
@@ -13191,7 +12853,6 @@
               <a:rPr lang="ru-RU" dirty="0"/>
               <a:t>Никита Сергеевич</a:t>
             </a:r>
-            <a:endParaRPr lang="ru-RU" dirty="0"/>
           </a:p>
         </p:txBody>
       </p:sp>
@@ -13512,7 +13173,7 @@
           <p:cNvPr id="3" name="Заголовок 2">
             <a:extLst>
               <a:ext uri="{FF2B5EF4-FFF2-40B4-BE49-F238E27FC236}">
-                <a16:creationId xmlns:a16="http://schemas.microsoft.com/office/drawing/2014/main" xmlns="" id="{E2EAF03B-EC26-1D47-94AC-C75942861D6C}"/>
+                <a16:creationId xmlns="" xmlns:a16="http://schemas.microsoft.com/office/drawing/2014/main" id="{E2EAF03B-EC26-1D47-94AC-C75942861D6C}"/>
               </a:ext>
             </a:extLst>
           </p:cNvPr>
@@ -13547,7 +13208,7 @@
           <p:cNvPr id="4" name="Текст 3">
             <a:extLst>
               <a:ext uri="{FF2B5EF4-FFF2-40B4-BE49-F238E27FC236}">
-                <a16:creationId xmlns:a16="http://schemas.microsoft.com/office/drawing/2014/main" xmlns="" id="{53356540-7218-FF4B-B6BC-5BD291A372E2}"/>
+                <a16:creationId xmlns="" xmlns:a16="http://schemas.microsoft.com/office/drawing/2014/main" id="{53356540-7218-FF4B-B6BC-5BD291A372E2}"/>
               </a:ext>
             </a:extLst>
           </p:cNvPr>
@@ -13602,7 +13263,7 @@
           <p:cNvPr id="5" name="Текст 4">
             <a:extLst>
               <a:ext uri="{FF2B5EF4-FFF2-40B4-BE49-F238E27FC236}">
-                <a16:creationId xmlns:a16="http://schemas.microsoft.com/office/drawing/2014/main" xmlns="" id="{3EB29DC1-D5D4-FB41-9E2D-AA4750D0CC8B}"/>
+                <a16:creationId xmlns="" xmlns:a16="http://schemas.microsoft.com/office/drawing/2014/main" id="{3EB29DC1-D5D4-FB41-9E2D-AA4750D0CC8B}"/>
               </a:ext>
             </a:extLst>
           </p:cNvPr>
@@ -13641,7 +13302,7 @@
           <p:cNvPr id="3076" name="Picture 4" descr="IntelliJ IDEA — Википедия">
             <a:extLst>
               <a:ext uri="{FF2B5EF4-FFF2-40B4-BE49-F238E27FC236}">
-                <a16:creationId xmlns:a16="http://schemas.microsoft.com/office/drawing/2014/main" xmlns="" id="{413D2A3D-341F-4463-9C46-9E54222DA8F5}"/>
+                <a16:creationId xmlns="" xmlns:a16="http://schemas.microsoft.com/office/drawing/2014/main" id="{413D2A3D-341F-4463-9C46-9E54222DA8F5}"/>
               </a:ext>
             </a:extLst>
           </p:cNvPr>
@@ -13688,7 +13349,7 @@
           <p:cNvPr id="3080" name="Picture 8" descr="GitHub · GitHub">
             <a:extLst>
               <a:ext uri="{FF2B5EF4-FFF2-40B4-BE49-F238E27FC236}">
-                <a16:creationId xmlns:a16="http://schemas.microsoft.com/office/drawing/2014/main" xmlns="" id="{B1772497-5D9C-4276-96E7-AA5E5B17A89F}"/>
+                <a16:creationId xmlns="" xmlns:a16="http://schemas.microsoft.com/office/drawing/2014/main" id="{B1772497-5D9C-4276-96E7-AA5E5B17A89F}"/>
               </a:ext>
             </a:extLst>
           </p:cNvPr>
@@ -13735,7 +13396,7 @@
           <p:cNvPr id="12" name="Текст 5">
             <a:extLst>
               <a:ext uri="{FF2B5EF4-FFF2-40B4-BE49-F238E27FC236}">
-                <a16:creationId xmlns:a16="http://schemas.microsoft.com/office/drawing/2014/main" xmlns="" id="{B5B6DD1A-BEFA-D842-9B7A-78D7BD1A5259}"/>
+                <a16:creationId xmlns="" xmlns:a16="http://schemas.microsoft.com/office/drawing/2014/main" id="{B5B6DD1A-BEFA-D842-9B7A-78D7BD1A5259}"/>
               </a:ext>
             </a:extLst>
           </p:cNvPr>
@@ -13760,7 +13421,6 @@
               <a:rPr lang="ru-RU" dirty="0"/>
               <a:t>Программа для моделирования восприятия факторов успеха IТ-проекта с использованием НКК</a:t>
             </a:r>
-            <a:endParaRPr lang="ru-RU" dirty="0"/>
           </a:p>
         </p:txBody>
       </p:sp>
@@ -13769,7 +13429,7 @@
           <p:cNvPr id="14" name="Текст 6">
             <a:extLst>
               <a:ext uri="{FF2B5EF4-FFF2-40B4-BE49-F238E27FC236}">
-                <a16:creationId xmlns:a16="http://schemas.microsoft.com/office/drawing/2014/main" xmlns="" id="{88968744-3B75-9B47-92FD-77E1E725F232}"/>
+                <a16:creationId xmlns="" xmlns:a16="http://schemas.microsoft.com/office/drawing/2014/main" id="{88968744-3B75-9B47-92FD-77E1E725F232}"/>
               </a:ext>
             </a:extLst>
           </p:cNvPr>
@@ -13801,7 +13461,6 @@
               <a:rPr lang="ru-RU" dirty="0"/>
               <a:t>Никита Сергеевич</a:t>
             </a:r>
-            <a:endParaRPr lang="ru-RU" dirty="0"/>
           </a:p>
         </p:txBody>
       </p:sp>
@@ -14219,7 +13878,7 @@
   <a:extraClrSchemeLst/>
   <a:extLst>
     <a:ext uri="{05A4C25C-085E-4340-85A3-A5531E510DB2}">
-      <thm15:themeFamily xmlns:thm15="http://schemas.microsoft.com/office/thememl/2012/main" xmlns="" name="Office Theme" id="{62F939B6-93AF-4DB8-9C6B-D6C7DFDC589F}" vid="{4A3C46E8-61CC-4603-A589-7422A47A8E4A}"/>
+      <thm15:themeFamily xmlns="" xmlns:thm15="http://schemas.microsoft.com/office/thememl/2012/main" name="Office Theme" id="{62F939B6-93AF-4DB8-9C6B-D6C7DFDC589F}" vid="{4A3C46E8-61CC-4603-A589-7422A47A8E4A}"/>
     </a:ext>
   </a:extLst>
 </a:theme>
@@ -14514,16 +14173,19 @@
   <a:extraClrSchemeLst/>
   <a:extLst>
     <a:ext uri="{05A4C25C-085E-4340-85A3-A5531E510DB2}">
-      <thm15:themeFamily xmlns:thm15="http://schemas.microsoft.com/office/thememl/2012/main" xmlns="" name="Office Theme" id="{62F939B6-93AF-4DB8-9C6B-D6C7DFDC589F}" vid="{4A3C46E8-61CC-4603-A589-7422A47A8E4A}"/>
+      <thm15:themeFamily xmlns="" xmlns:thm15="http://schemas.microsoft.com/office/thememl/2012/main" name="Office Theme" id="{62F939B6-93AF-4DB8-9C6B-D6C7DFDC589F}" vid="{4A3C46E8-61CC-4603-A589-7422A47A8E4A}"/>
     </a:ext>
   </a:extLst>
 </a:theme>
 </file>
 
 <file path=customXml/item1.xml><?xml version="1.0" encoding="utf-8"?>
-<p:properties xmlns:p="http://schemas.microsoft.com/office/2006/metadata/properties" xmlns:xsi="http://www.w3.org/2001/XMLSchema-instance" xmlns:pc="http://schemas.microsoft.com/office/infopath/2007/PartnerControls">
-  <documentManagement/>
-</p:properties>
+<?mso-contentType ?>
+<FormTemplates xmlns="http://schemas.microsoft.com/sharepoint/v3/contenttype/forms">
+  <Display>DocumentLibraryForm</Display>
+  <Edit>DocumentLibraryForm</Edit>
+  <New>DocumentLibraryForm</New>
+</FormTemplates>
 </file>
 
 <file path=customXml/item2.xml><?xml version="1.0" encoding="utf-8"?>
@@ -14750,27 +14412,15 @@
 </file>
 
 <file path=customXml/item3.xml><?xml version="1.0" encoding="utf-8"?>
-<?mso-contentType ?>
-<FormTemplates xmlns="http://schemas.microsoft.com/sharepoint/v3/contenttype/forms">
-  <Display>DocumentLibraryForm</Display>
-  <Edit>DocumentLibraryForm</Edit>
-  <New>DocumentLibraryForm</New>
-</FormTemplates>
+<p:properties xmlns:p="http://schemas.microsoft.com/office/2006/metadata/properties" xmlns:xsi="http://www.w3.org/2001/XMLSchema-instance" xmlns:pc="http://schemas.microsoft.com/office/infopath/2007/PartnerControls">
+  <documentManagement/>
+</p:properties>
 </file>
 
 <file path=customXml/itemProps1.xml><?xml version="1.0" encoding="utf-8"?>
-<ds:datastoreItem xmlns:ds="http://schemas.openxmlformats.org/officeDocument/2006/customXml" ds:itemID="{433DAF31-D8A6-49A0-9A5D-8B2EA5B1C511}">
+<ds:datastoreItem xmlns:ds="http://schemas.openxmlformats.org/officeDocument/2006/customXml" ds:itemID="{B34386AA-1848-4C75-B336-1053927CB025}">
   <ds:schemaRefs>
-    <ds:schemaRef ds:uri="http://purl.org/dc/dcmitype/"/>
-    <ds:schemaRef ds:uri="http://purl.org/dc/terms/"/>
-    <ds:schemaRef ds:uri="http://www.w3.org/XML/1998/namespace"/>
-    <ds:schemaRef ds:uri="http://schemas.microsoft.com/office/infopath/2007/PartnerControls"/>
-    <ds:schemaRef ds:uri="http://schemas.microsoft.com/office/2006/documentManagement/types"/>
-    <ds:schemaRef ds:uri="http://purl.org/dc/elements/1.1/"/>
-    <ds:schemaRef ds:uri="http://schemas.microsoft.com/office/2006/metadata/properties"/>
-    <ds:schemaRef ds:uri="9875bd71-cde8-496c-a136-433f55d5e6d0"/>
-    <ds:schemaRef ds:uri="http://schemas.openxmlformats.org/package/2006/metadata/core-properties"/>
-    <ds:schemaRef ds:uri="e96afe77-3acb-4328-97fc-408e1bde3ecd"/>
+    <ds:schemaRef ds:uri="http://schemas.microsoft.com/sharepoint/v3/contenttype/forms"/>
   </ds:schemaRefs>
 </ds:datastoreItem>
 </file>
@@ -14795,9 +14445,18 @@
 </file>
 
 <file path=customXml/itemProps3.xml><?xml version="1.0" encoding="utf-8"?>
-<ds:datastoreItem xmlns:ds="http://schemas.openxmlformats.org/officeDocument/2006/customXml" ds:itemID="{B34386AA-1848-4C75-B336-1053927CB025}">
+<ds:datastoreItem xmlns:ds="http://schemas.openxmlformats.org/officeDocument/2006/customXml" ds:itemID="{433DAF31-D8A6-49A0-9A5D-8B2EA5B1C511}">
   <ds:schemaRefs>
-    <ds:schemaRef ds:uri="http://schemas.microsoft.com/sharepoint/v3/contenttype/forms"/>
+    <ds:schemaRef ds:uri="http://purl.org/dc/dcmitype/"/>
+    <ds:schemaRef ds:uri="http://purl.org/dc/terms/"/>
+    <ds:schemaRef ds:uri="http://www.w3.org/XML/1998/namespace"/>
+    <ds:schemaRef ds:uri="http://schemas.microsoft.com/office/infopath/2007/PartnerControls"/>
+    <ds:schemaRef ds:uri="http://schemas.microsoft.com/office/2006/documentManagement/types"/>
+    <ds:schemaRef ds:uri="http://purl.org/dc/elements/1.1/"/>
+    <ds:schemaRef ds:uri="http://schemas.microsoft.com/office/2006/metadata/properties"/>
+    <ds:schemaRef ds:uri="9875bd71-cde8-496c-a136-433f55d5e6d0"/>
+    <ds:schemaRef ds:uri="http://schemas.openxmlformats.org/package/2006/metadata/core-properties"/>
+    <ds:schemaRef ds:uri="e96afe77-3acb-4328-97fc-408e1bde3ecd"/>
   </ds:schemaRefs>
 </ds:datastoreItem>
 </file>